--- a/Presentations/Hibernate/Hibernate-Part-2.pptx
+++ b/Presentations/Hibernate/Hibernate-Part-2.pptx
@@ -3551,15 +3551,7 @@
                   <a:schemeClr val="tx1"/>
                 </a:solidFill>
               </a:rPr>
-              <a:t>Part </a:t>
-            </a:r>
-            <a:r>
-              <a:rPr lang="en-US" altLang="en-US" smtClean="0">
-                <a:solidFill>
-                  <a:schemeClr val="tx1"/>
-                </a:solidFill>
-              </a:rPr>
-              <a:t>2</a:t>
+              <a:t>Part 2</a:t>
             </a:r>
             <a:r>
               <a:rPr lang="en-US" altLang="en-US" dirty="0" smtClean="0">
@@ -3758,6 +3750,47 @@
                 <a:headEnd/>
                 <a:tailEnd/>
               </a14:hiddenLine>
+            </a:ext>
+          </a:extLst>
+        </p:spPr>
+      </p:pic>
+      <p:pic>
+        <p:nvPicPr>
+          <p:cNvPr id="1026" name="Picture 2" descr="logo"/>
+          <p:cNvPicPr>
+            <a:picLocks noChangeAspect="1" noChangeArrowheads="1"/>
+          </p:cNvPicPr>
+          <p:nvPr/>
+        </p:nvPicPr>
+        <p:blipFill>
+          <a:blip r:embed="rId3">
+            <a:extLst>
+              <a:ext uri="{28A0092B-C50C-407E-A947-70E740481C1C}">
+                <a14:useLocalDpi xmlns:a14="http://schemas.microsoft.com/office/drawing/2010/main" val="0"/>
+              </a:ext>
+            </a:extLst>
+          </a:blip>
+          <a:srcRect/>
+          <a:stretch>
+            <a:fillRect/>
+          </a:stretch>
+        </p:blipFill>
+        <p:spPr bwMode="auto">
+          <a:xfrm>
+            <a:off x="4856356" y="304800"/>
+            <a:ext cx="4057650" cy="952500"/>
+          </a:xfrm>
+          <a:prstGeom prst="rect">
+            <a:avLst/>
+          </a:prstGeom>
+          <a:noFill/>
+          <a:extLst>
+            <a:ext uri="{909E8E84-426E-40DD-AFC4-6F175D3DCCD1}">
+              <a14:hiddenFill xmlns:a14="http://schemas.microsoft.com/office/drawing/2010/main">
+                <a:solidFill>
+                  <a:srgbClr val="FFFFFF"/>
+                </a:solidFill>
+              </a14:hiddenFill>
             </a:ext>
           </a:extLst>
         </p:spPr>

--- a/Presentations/Hibernate/Hibernate-Part-2.pptx
+++ b/Presentations/Hibernate/Hibernate-Part-2.pptx
@@ -5,33 +5,35 @@
     <p:sldMasterId id="2147483648" r:id="rId1"/>
   </p:sldMasterIdLst>
   <p:notesMasterIdLst>
-    <p:notesMasterId r:id="rId23"/>
+    <p:notesMasterId r:id="rId25"/>
   </p:notesMasterIdLst>
   <p:handoutMasterIdLst>
-    <p:handoutMasterId r:id="rId24"/>
+    <p:handoutMasterId r:id="rId26"/>
   </p:handoutMasterIdLst>
   <p:sldIdLst>
     <p:sldId id="256" r:id="rId2"/>
     <p:sldId id="257" r:id="rId3"/>
-    <p:sldId id="329" r:id="rId4"/>
-    <p:sldId id="325" r:id="rId5"/>
-    <p:sldId id="338" r:id="rId6"/>
-    <p:sldId id="326" r:id="rId7"/>
-    <p:sldId id="330" r:id="rId8"/>
-    <p:sldId id="331" r:id="rId9"/>
-    <p:sldId id="332" r:id="rId10"/>
-    <p:sldId id="339" r:id="rId11"/>
-    <p:sldId id="340" r:id="rId12"/>
-    <p:sldId id="341" r:id="rId13"/>
-    <p:sldId id="342" r:id="rId14"/>
-    <p:sldId id="343" r:id="rId15"/>
-    <p:sldId id="344" r:id="rId16"/>
-    <p:sldId id="345" r:id="rId17"/>
-    <p:sldId id="346" r:id="rId18"/>
-    <p:sldId id="347" r:id="rId19"/>
-    <p:sldId id="348" r:id="rId20"/>
-    <p:sldId id="327" r:id="rId21"/>
-    <p:sldId id="349" r:id="rId22"/>
+    <p:sldId id="327" r:id="rId4"/>
+    <p:sldId id="329" r:id="rId5"/>
+    <p:sldId id="350" r:id="rId6"/>
+    <p:sldId id="325" r:id="rId7"/>
+    <p:sldId id="338" r:id="rId8"/>
+    <p:sldId id="326" r:id="rId9"/>
+    <p:sldId id="330" r:id="rId10"/>
+    <p:sldId id="331" r:id="rId11"/>
+    <p:sldId id="332" r:id="rId12"/>
+    <p:sldId id="339" r:id="rId13"/>
+    <p:sldId id="340" r:id="rId14"/>
+    <p:sldId id="341" r:id="rId15"/>
+    <p:sldId id="342" r:id="rId16"/>
+    <p:sldId id="343" r:id="rId17"/>
+    <p:sldId id="344" r:id="rId18"/>
+    <p:sldId id="345" r:id="rId19"/>
+    <p:sldId id="346" r:id="rId20"/>
+    <p:sldId id="347" r:id="rId21"/>
+    <p:sldId id="348" r:id="rId22"/>
+    <p:sldId id="351" r:id="rId23"/>
+    <p:sldId id="349" r:id="rId24"/>
   </p:sldIdLst>
   <p:sldSz cx="9144000" cy="6858000" type="screen4x3"/>
   <p:notesSz cx="6858000" cy="9144000"/>
@@ -3543,23 +3545,7 @@
                   <a:schemeClr val="tx1"/>
                 </a:solidFill>
               </a:rPr>
-              <a:t>Hibernate - </a:t>
-            </a:r>
-            <a:r>
-              <a:rPr lang="en-US" altLang="en-US" smtClean="0">
-                <a:solidFill>
-                  <a:schemeClr val="tx1"/>
-                </a:solidFill>
-              </a:rPr>
-              <a:t>Part 2</a:t>
-            </a:r>
-            <a:r>
-              <a:rPr lang="en-US" altLang="en-US" dirty="0" smtClean="0">
-                <a:solidFill>
-                  <a:schemeClr val="tx1"/>
-                </a:solidFill>
-              </a:rPr>
-              <a:t/>
+              <a:t>Hibernate - Part 2</a:t>
             </a:r>
             <a:br>
               <a:rPr lang="en-US" altLang="en-US" dirty="0" smtClean="0">
@@ -3574,22 +3560,7 @@
                   <a:schemeClr val="tx1"/>
                 </a:solidFill>
               </a:rPr>
-              <a:t>Installation &amp; Configuration</a:t>
-            </a:r>
-            <a:br>
-              <a:rPr lang="en-US" altLang="en-US" dirty="0" smtClean="0">
-                <a:solidFill>
-                  <a:schemeClr val="tx1"/>
-                </a:solidFill>
-              </a:rPr>
-            </a:br>
-            <a:r>
-              <a:rPr lang="en-US" altLang="en-US" dirty="0" smtClean="0">
-                <a:solidFill>
-                  <a:schemeClr val="tx1"/>
-                </a:solidFill>
-              </a:rPr>
-              <a:t>Eclipse</a:t>
+              <a:t>Examples, HQL &amp; More</a:t>
             </a:r>
             <a:endParaRPr lang="en-US" altLang="en-US" dirty="0">
               <a:solidFill>
@@ -3754,47 +3725,6 @@
           </a:extLst>
         </p:spPr>
       </p:pic>
-      <p:pic>
-        <p:nvPicPr>
-          <p:cNvPr id="1026" name="Picture 2" descr="logo"/>
-          <p:cNvPicPr>
-            <a:picLocks noChangeAspect="1" noChangeArrowheads="1"/>
-          </p:cNvPicPr>
-          <p:nvPr/>
-        </p:nvPicPr>
-        <p:blipFill>
-          <a:blip r:embed="rId3">
-            <a:extLst>
-              <a:ext uri="{28A0092B-C50C-407E-A947-70E740481C1C}">
-                <a14:useLocalDpi xmlns:a14="http://schemas.microsoft.com/office/drawing/2010/main" val="0"/>
-              </a:ext>
-            </a:extLst>
-          </a:blip>
-          <a:srcRect/>
-          <a:stretch>
-            <a:fillRect/>
-          </a:stretch>
-        </p:blipFill>
-        <p:spPr bwMode="auto">
-          <a:xfrm>
-            <a:off x="4856356" y="304800"/>
-            <a:ext cx="4057650" cy="952500"/>
-          </a:xfrm>
-          <a:prstGeom prst="rect">
-            <a:avLst/>
-          </a:prstGeom>
-          <a:noFill/>
-          <a:extLst>
-            <a:ext uri="{909E8E84-426E-40DD-AFC4-6F175D3DCCD1}">
-              <a14:hiddenFill xmlns:a14="http://schemas.microsoft.com/office/drawing/2010/main">
-                <a:solidFill>
-                  <a:srgbClr val="FFFFFF"/>
-                </a:solidFill>
-              </a14:hiddenFill>
-            </a:ext>
-          </a:extLst>
-        </p:spPr>
-      </p:pic>
     </p:spTree>
   </p:cSld>
   <p:clrMapOvr>
@@ -3846,6 +3776,504 @@
               <a:rPr lang="en-US" altLang="en-US"/>
               <a:pPr/>
               <a:t>10</a:t>
+            </a:fld>
+            <a:endParaRPr lang="en-US" altLang="en-US"/>
+          </a:p>
+        </p:txBody>
+      </p:sp>
+      <p:sp>
+        <p:nvSpPr>
+          <p:cNvPr id="9220" name="Rectangle 4"/>
+          <p:cNvSpPr>
+            <a:spLocks noGrp="1" noChangeArrowheads="1"/>
+          </p:cNvSpPr>
+          <p:nvPr>
+            <p:ph type="title"/>
+          </p:nvPr>
+        </p:nvSpPr>
+        <p:spPr bwMode="auto">
+          <a:xfrm>
+            <a:off x="457200" y="274638"/>
+            <a:ext cx="8229600" cy="868362"/>
+          </a:xfrm>
+          <a:noFill/>
+          <a:ln/>
+          <a:extLst>
+            <a:ext uri="{909E8E84-426E-40DD-AFC4-6F175D3DCCD1}">
+              <a14:hiddenFill xmlns:a14="http://schemas.microsoft.com/office/drawing/2010/main">
+                <a:solidFill>
+                  <a:schemeClr val="accent1"/>
+                </a:solidFill>
+              </a14:hiddenFill>
+            </a:ext>
+            <a:ext uri="{91240B29-F687-4F45-9708-019B960494DF}">
+              <a14:hiddenLine xmlns:a14="http://schemas.microsoft.com/office/drawing/2010/main" w="9525">
+                <a:solidFill>
+                  <a:schemeClr val="tx1"/>
+                </a:solidFill>
+                <a:miter lim="800000"/>
+                <a:headEnd/>
+                <a:tailEnd/>
+              </a14:hiddenLine>
+            </a:ext>
+            <a:ext uri="{AF507438-7753-43E0-B8FC-AC1667EBCBE1}">
+              <a14:hiddenEffects xmlns:a14="http://schemas.microsoft.com/office/drawing/2010/main">
+                <a:effectLst>
+                  <a:outerShdw dist="35921" dir="2700000" algn="ctr" rotWithShape="0">
+                    <a:schemeClr val="bg2"/>
+                  </a:outerShdw>
+                </a:effectLst>
+              </a14:hiddenEffects>
+            </a:ext>
+          </a:extLst>
+        </p:spPr>
+        <p:txBody>
+          <a:bodyPr vert="horz" wrap="square" lIns="91440" tIns="45720" rIns="91440" bIns="45720" numCol="1" anchor="t" anchorCtr="0" compatLnSpc="1">
+            <a:prstTxWarp prst="textNoShape">
+              <a:avLst/>
+            </a:prstTxWarp>
+          </a:bodyPr>
+          <a:lstStyle/>
+          <a:p>
+            <a:r>
+              <a:rPr lang="en-US" altLang="en-US" dirty="0"/>
+              <a:t>Hibernate Setup </a:t>
+            </a:r>
+          </a:p>
+        </p:txBody>
+      </p:sp>
+      <p:sp>
+        <p:nvSpPr>
+          <p:cNvPr id="9221" name="Rectangle 5"/>
+          <p:cNvSpPr>
+            <a:spLocks noGrp="1" noChangeArrowheads="1"/>
+          </p:cNvSpPr>
+          <p:nvPr>
+            <p:ph type="body" idx="1"/>
+          </p:nvPr>
+        </p:nvSpPr>
+        <p:spPr bwMode="auto">
+          <a:xfrm>
+            <a:off x="457200" y="1295400"/>
+            <a:ext cx="8229600" cy="4830763"/>
+          </a:xfrm>
+          <a:noFill/>
+          <a:ln/>
+          <a:extLst>
+            <a:ext uri="{909E8E84-426E-40DD-AFC4-6F175D3DCCD1}">
+              <a14:hiddenFill xmlns:a14="http://schemas.microsoft.com/office/drawing/2010/main">
+                <a:solidFill>
+                  <a:schemeClr val="accent1"/>
+                </a:solidFill>
+              </a14:hiddenFill>
+            </a:ext>
+            <a:ext uri="{91240B29-F687-4F45-9708-019B960494DF}">
+              <a14:hiddenLine xmlns:a14="http://schemas.microsoft.com/office/drawing/2010/main" w="9525">
+                <a:solidFill>
+                  <a:schemeClr val="tx1"/>
+                </a:solidFill>
+                <a:miter lim="800000"/>
+                <a:headEnd/>
+                <a:tailEnd/>
+              </a14:hiddenLine>
+            </a:ext>
+            <a:ext uri="{AF507438-7753-43E0-B8FC-AC1667EBCBE1}">
+              <a14:hiddenEffects xmlns:a14="http://schemas.microsoft.com/office/drawing/2010/main">
+                <a:effectLst>
+                  <a:outerShdw dist="35921" dir="2700000" algn="ctr" rotWithShape="0">
+                    <a:schemeClr val="bg2"/>
+                  </a:outerShdw>
+                </a:effectLst>
+              </a14:hiddenEffects>
+            </a:ext>
+          </a:extLst>
+        </p:spPr>
+        <p:txBody>
+          <a:bodyPr vert="horz" wrap="square" lIns="91440" tIns="45720" rIns="91440" bIns="45720" numCol="1" anchor="t" anchorCtr="0" compatLnSpc="1">
+            <a:prstTxWarp prst="textNoShape">
+              <a:avLst/>
+            </a:prstTxWarp>
+          </a:bodyPr>
+          <a:lstStyle/>
+          <a:p>
+            <a:pPr>
+              <a:lnSpc>
+                <a:spcPct val="90000"/>
+              </a:lnSpc>
+            </a:pPr>
+            <a:r>
+              <a:rPr lang="en-US" altLang="en-US" sz="2400" dirty="0" smtClean="0"/>
+              <a:t>Create a </a:t>
+            </a:r>
+            <a:r>
+              <a:rPr lang="en-US" altLang="en-US" sz="2400" dirty="0" smtClean="0">
+                <a:solidFill>
+                  <a:srgbClr val="FF0000"/>
+                </a:solidFill>
+              </a:rPr>
+              <a:t>lib</a:t>
+            </a:r>
+            <a:r>
+              <a:rPr lang="en-US" altLang="en-US" sz="2400" dirty="0" smtClean="0"/>
+              <a:t> subdirectory in your project</a:t>
+            </a:r>
+            <a:endParaRPr lang="en-US" altLang="en-US" sz="2400" dirty="0"/>
+          </a:p>
+        </p:txBody>
+      </p:sp>
+      <p:pic>
+        <p:nvPicPr>
+          <p:cNvPr id="6146" name="Picture 2"/>
+          <p:cNvPicPr>
+            <a:picLocks noChangeAspect="1" noChangeArrowheads="1"/>
+          </p:cNvPicPr>
+          <p:nvPr/>
+        </p:nvPicPr>
+        <p:blipFill>
+          <a:blip r:embed="rId2">
+            <a:extLst>
+              <a:ext uri="{28A0092B-C50C-407E-A947-70E740481C1C}">
+                <a14:useLocalDpi xmlns:a14="http://schemas.microsoft.com/office/drawing/2010/main" val="0"/>
+              </a:ext>
+            </a:extLst>
+          </a:blip>
+          <a:srcRect/>
+          <a:stretch>
+            <a:fillRect/>
+          </a:stretch>
+        </p:blipFill>
+        <p:spPr bwMode="auto">
+          <a:xfrm>
+            <a:off x="2445544" y="1828800"/>
+            <a:ext cx="4252912" cy="4350121"/>
+          </a:xfrm>
+          <a:prstGeom prst="rect">
+            <a:avLst/>
+          </a:prstGeom>
+          <a:noFill/>
+          <a:ln>
+            <a:noFill/>
+          </a:ln>
+          <a:extLst>
+            <a:ext uri="{909E8E84-426E-40DD-AFC4-6F175D3DCCD1}">
+              <a14:hiddenFill xmlns:a14="http://schemas.microsoft.com/office/drawing/2010/main">
+                <a:solidFill>
+                  <a:schemeClr val="accent1"/>
+                </a:solidFill>
+              </a14:hiddenFill>
+            </a:ext>
+            <a:ext uri="{91240B29-F687-4F45-9708-019B960494DF}">
+              <a14:hiddenLine xmlns:a14="http://schemas.microsoft.com/office/drawing/2010/main" w="9525">
+                <a:solidFill>
+                  <a:schemeClr val="tx1"/>
+                </a:solidFill>
+                <a:miter lim="800000"/>
+                <a:headEnd/>
+                <a:tailEnd/>
+              </a14:hiddenLine>
+            </a:ext>
+          </a:extLst>
+        </p:spPr>
+      </p:pic>
+    </p:spTree>
+    <p:extLst>
+      <p:ext uri="{BB962C8B-B14F-4D97-AF65-F5344CB8AC3E}">
+        <p14:creationId xmlns:p14="http://schemas.microsoft.com/office/powerpoint/2010/main" val="1951989040"/>
+      </p:ext>
+    </p:extLst>
+  </p:cSld>
+  <p:clrMapOvr>
+    <a:masterClrMapping/>
+  </p:clrMapOvr>
+  <p:timing>
+    <p:tnLst>
+      <p:par>
+        <p:cTn id="1" dur="indefinite" restart="never" nodeType="tmRoot"/>
+      </p:par>
+    </p:tnLst>
+  </p:timing>
+</p:sld>
+</file>
+
+<file path=ppt/slides/slide11.xml><?xml version="1.0" encoding="utf-8"?>
+<p:sld xmlns:a="http://schemas.openxmlformats.org/drawingml/2006/main" xmlns:r="http://schemas.openxmlformats.org/officeDocument/2006/relationships" xmlns:p="http://schemas.openxmlformats.org/presentationml/2006/main">
+  <p:cSld>
+    <p:spTree>
+      <p:nvGrpSpPr>
+        <p:cNvPr id="1" name=""/>
+        <p:cNvGrpSpPr/>
+        <p:nvPr/>
+      </p:nvGrpSpPr>
+      <p:grpSpPr>
+        <a:xfrm>
+          <a:off x="0" y="0"/>
+          <a:ext cx="0" cy="0"/>
+          <a:chOff x="0" y="0"/>
+          <a:chExt cx="0" cy="0"/>
+        </a:xfrm>
+      </p:grpSpPr>
+      <p:sp>
+        <p:nvSpPr>
+          <p:cNvPr id="4" name="Slide Number Placeholder 3"/>
+          <p:cNvSpPr>
+            <a:spLocks noGrp="1"/>
+          </p:cNvSpPr>
+          <p:nvPr>
+            <p:ph type="sldNum" sz="quarter" idx="10"/>
+          </p:nvPr>
+        </p:nvSpPr>
+        <p:spPr/>
+        <p:txBody>
+          <a:bodyPr/>
+          <a:lstStyle/>
+          <a:p>
+            <a:fld id="{9CAA6850-6AF0-4A45-8B3A-FEE9E8969215}" type="slidenum">
+              <a:rPr lang="en-US" altLang="en-US"/>
+              <a:pPr/>
+              <a:t>11</a:t>
+            </a:fld>
+            <a:endParaRPr lang="en-US" altLang="en-US"/>
+          </a:p>
+        </p:txBody>
+      </p:sp>
+      <p:sp>
+        <p:nvSpPr>
+          <p:cNvPr id="9220" name="Rectangle 4"/>
+          <p:cNvSpPr>
+            <a:spLocks noGrp="1" noChangeArrowheads="1"/>
+          </p:cNvSpPr>
+          <p:nvPr>
+            <p:ph type="title"/>
+          </p:nvPr>
+        </p:nvSpPr>
+        <p:spPr bwMode="auto">
+          <a:xfrm>
+            <a:off x="457200" y="274638"/>
+            <a:ext cx="8229600" cy="868362"/>
+          </a:xfrm>
+          <a:noFill/>
+          <a:ln/>
+          <a:extLst>
+            <a:ext uri="{909E8E84-426E-40DD-AFC4-6F175D3DCCD1}">
+              <a14:hiddenFill xmlns:a14="http://schemas.microsoft.com/office/drawing/2010/main">
+                <a:solidFill>
+                  <a:schemeClr val="accent1"/>
+                </a:solidFill>
+              </a14:hiddenFill>
+            </a:ext>
+            <a:ext uri="{91240B29-F687-4F45-9708-019B960494DF}">
+              <a14:hiddenLine xmlns:a14="http://schemas.microsoft.com/office/drawing/2010/main" w="9525">
+                <a:solidFill>
+                  <a:schemeClr val="tx1"/>
+                </a:solidFill>
+                <a:miter lim="800000"/>
+                <a:headEnd/>
+                <a:tailEnd/>
+              </a14:hiddenLine>
+            </a:ext>
+            <a:ext uri="{AF507438-7753-43E0-B8FC-AC1667EBCBE1}">
+              <a14:hiddenEffects xmlns:a14="http://schemas.microsoft.com/office/drawing/2010/main">
+                <a:effectLst>
+                  <a:outerShdw dist="35921" dir="2700000" algn="ctr" rotWithShape="0">
+                    <a:schemeClr val="bg2"/>
+                  </a:outerShdw>
+                </a:effectLst>
+              </a14:hiddenEffects>
+            </a:ext>
+          </a:extLst>
+        </p:spPr>
+        <p:txBody>
+          <a:bodyPr vert="horz" wrap="square" lIns="91440" tIns="45720" rIns="91440" bIns="45720" numCol="1" anchor="t" anchorCtr="0" compatLnSpc="1">
+            <a:prstTxWarp prst="textNoShape">
+              <a:avLst/>
+            </a:prstTxWarp>
+          </a:bodyPr>
+          <a:lstStyle/>
+          <a:p>
+            <a:r>
+              <a:rPr lang="en-US" altLang="en-US" dirty="0"/>
+              <a:t>Hibernate Setup </a:t>
+            </a:r>
+          </a:p>
+        </p:txBody>
+      </p:sp>
+      <p:sp>
+        <p:nvSpPr>
+          <p:cNvPr id="9221" name="Rectangle 5"/>
+          <p:cNvSpPr>
+            <a:spLocks noGrp="1" noChangeArrowheads="1"/>
+          </p:cNvSpPr>
+          <p:nvPr>
+            <p:ph type="body" idx="1"/>
+          </p:nvPr>
+        </p:nvSpPr>
+        <p:spPr bwMode="auto">
+          <a:xfrm>
+            <a:off x="457200" y="1295400"/>
+            <a:ext cx="8229600" cy="4830763"/>
+          </a:xfrm>
+          <a:noFill/>
+          <a:ln/>
+          <a:extLst>
+            <a:ext uri="{909E8E84-426E-40DD-AFC4-6F175D3DCCD1}">
+              <a14:hiddenFill xmlns:a14="http://schemas.microsoft.com/office/drawing/2010/main">
+                <a:solidFill>
+                  <a:schemeClr val="accent1"/>
+                </a:solidFill>
+              </a14:hiddenFill>
+            </a:ext>
+            <a:ext uri="{91240B29-F687-4F45-9708-019B960494DF}">
+              <a14:hiddenLine xmlns:a14="http://schemas.microsoft.com/office/drawing/2010/main" w="9525">
+                <a:solidFill>
+                  <a:schemeClr val="tx1"/>
+                </a:solidFill>
+                <a:miter lim="800000"/>
+                <a:headEnd/>
+                <a:tailEnd/>
+              </a14:hiddenLine>
+            </a:ext>
+            <a:ext uri="{AF507438-7753-43E0-B8FC-AC1667EBCBE1}">
+              <a14:hiddenEffects xmlns:a14="http://schemas.microsoft.com/office/drawing/2010/main">
+                <a:effectLst>
+                  <a:outerShdw dist="35921" dir="2700000" algn="ctr" rotWithShape="0">
+                    <a:schemeClr val="bg2"/>
+                  </a:outerShdw>
+                </a:effectLst>
+              </a14:hiddenEffects>
+            </a:ext>
+          </a:extLst>
+        </p:spPr>
+        <p:txBody>
+          <a:bodyPr vert="horz" wrap="square" lIns="91440" tIns="45720" rIns="91440" bIns="45720" numCol="1" anchor="t" anchorCtr="0" compatLnSpc="1">
+            <a:prstTxWarp prst="textNoShape">
+              <a:avLst/>
+            </a:prstTxWarp>
+          </a:bodyPr>
+          <a:lstStyle/>
+          <a:p>
+            <a:pPr>
+              <a:lnSpc>
+                <a:spcPct val="90000"/>
+              </a:lnSpc>
+            </a:pPr>
+            <a:r>
+              <a:rPr lang="en-US" altLang="en-US" sz="2400" dirty="0" smtClean="0"/>
+              <a:t>Like this</a:t>
+            </a:r>
+            <a:endParaRPr lang="en-US" altLang="en-US" sz="2400" dirty="0"/>
+          </a:p>
+        </p:txBody>
+      </p:sp>
+      <p:pic>
+        <p:nvPicPr>
+          <p:cNvPr id="7170" name="Picture 2"/>
+          <p:cNvPicPr>
+            <a:picLocks noChangeAspect="1" noChangeArrowheads="1"/>
+          </p:cNvPicPr>
+          <p:nvPr/>
+        </p:nvPicPr>
+        <p:blipFill>
+          <a:blip r:embed="rId2">
+            <a:extLst>
+              <a:ext uri="{28A0092B-C50C-407E-A947-70E740481C1C}">
+                <a14:useLocalDpi xmlns:a14="http://schemas.microsoft.com/office/drawing/2010/main" val="0"/>
+              </a:ext>
+            </a:extLst>
+          </a:blip>
+          <a:srcRect/>
+          <a:stretch>
+            <a:fillRect/>
+          </a:stretch>
+        </p:blipFill>
+        <p:spPr bwMode="auto">
+          <a:xfrm>
+            <a:off x="2743200" y="1819484"/>
+            <a:ext cx="3581400" cy="4809916"/>
+          </a:xfrm>
+          <a:prstGeom prst="rect">
+            <a:avLst/>
+          </a:prstGeom>
+          <a:noFill/>
+          <a:ln>
+            <a:noFill/>
+          </a:ln>
+          <a:extLst>
+            <a:ext uri="{909E8E84-426E-40DD-AFC4-6F175D3DCCD1}">
+              <a14:hiddenFill xmlns:a14="http://schemas.microsoft.com/office/drawing/2010/main">
+                <a:solidFill>
+                  <a:schemeClr val="accent1"/>
+                </a:solidFill>
+              </a14:hiddenFill>
+            </a:ext>
+            <a:ext uri="{91240B29-F687-4F45-9708-019B960494DF}">
+              <a14:hiddenLine xmlns:a14="http://schemas.microsoft.com/office/drawing/2010/main" w="9525">
+                <a:solidFill>
+                  <a:schemeClr val="tx1"/>
+                </a:solidFill>
+                <a:miter lim="800000"/>
+                <a:headEnd/>
+                <a:tailEnd/>
+              </a14:hiddenLine>
+            </a:ext>
+          </a:extLst>
+        </p:spPr>
+      </p:pic>
+    </p:spTree>
+    <p:extLst>
+      <p:ext uri="{BB962C8B-B14F-4D97-AF65-F5344CB8AC3E}">
+        <p14:creationId xmlns:p14="http://schemas.microsoft.com/office/powerpoint/2010/main" val="3368892821"/>
+      </p:ext>
+    </p:extLst>
+  </p:cSld>
+  <p:clrMapOvr>
+    <a:masterClrMapping/>
+  </p:clrMapOvr>
+  <p:timing>
+    <p:tnLst>
+      <p:par>
+        <p:cTn id="1" dur="indefinite" restart="never" nodeType="tmRoot"/>
+      </p:par>
+    </p:tnLst>
+  </p:timing>
+</p:sld>
+</file>
+
+<file path=ppt/slides/slide12.xml><?xml version="1.0" encoding="utf-8"?>
+<p:sld xmlns:a="http://schemas.openxmlformats.org/drawingml/2006/main" xmlns:r="http://schemas.openxmlformats.org/officeDocument/2006/relationships" xmlns:p="http://schemas.openxmlformats.org/presentationml/2006/main">
+  <p:cSld>
+    <p:spTree>
+      <p:nvGrpSpPr>
+        <p:cNvPr id="1" name=""/>
+        <p:cNvGrpSpPr/>
+        <p:nvPr/>
+      </p:nvGrpSpPr>
+      <p:grpSpPr>
+        <a:xfrm>
+          <a:off x="0" y="0"/>
+          <a:ext cx="0" cy="0"/>
+          <a:chOff x="0" y="0"/>
+          <a:chExt cx="0" cy="0"/>
+        </a:xfrm>
+      </p:grpSpPr>
+      <p:sp>
+        <p:nvSpPr>
+          <p:cNvPr id="4" name="Slide Number Placeholder 3"/>
+          <p:cNvSpPr>
+            <a:spLocks noGrp="1"/>
+          </p:cNvSpPr>
+          <p:nvPr>
+            <p:ph type="sldNum" sz="quarter" idx="10"/>
+          </p:nvPr>
+        </p:nvSpPr>
+        <p:spPr/>
+        <p:txBody>
+          <a:bodyPr/>
+          <a:lstStyle/>
+          <a:p>
+            <a:fld id="{9CAA6850-6AF0-4A45-8B3A-FEE9E8969215}" type="slidenum">
+              <a:rPr lang="en-US" altLang="en-US"/>
+              <a:pPr/>
+              <a:t>12</a:t>
             </a:fld>
             <a:endParaRPr lang="en-US" altLang="en-US"/>
           </a:p>
@@ -4053,7 +4481,7 @@
 </p:sld>
 </file>
 
-<file path=ppt/slides/slide11.xml><?xml version="1.0" encoding="utf-8"?>
+<file path=ppt/slides/slide13.xml><?xml version="1.0" encoding="utf-8"?>
 <p:sld xmlns:a="http://schemas.openxmlformats.org/drawingml/2006/main" xmlns:r="http://schemas.openxmlformats.org/officeDocument/2006/relationships" xmlns:p="http://schemas.openxmlformats.org/presentationml/2006/main">
   <p:cSld>
     <p:spTree>
@@ -4088,7 +4516,7 @@
             <a:fld id="{9CAA6850-6AF0-4A45-8B3A-FEE9E8969215}" type="slidenum">
               <a:rPr lang="en-US" altLang="en-US"/>
               <a:pPr/>
-              <a:t>11</a:t>
+              <a:t>13</a:t>
             </a:fld>
             <a:endParaRPr lang="en-US" altLang="en-US"/>
           </a:p>
@@ -4292,7 +4720,7 @@
 </p:sld>
 </file>
 
-<file path=ppt/slides/slide12.xml><?xml version="1.0" encoding="utf-8"?>
+<file path=ppt/slides/slide14.xml><?xml version="1.0" encoding="utf-8"?>
 <p:sld xmlns:a="http://schemas.openxmlformats.org/drawingml/2006/main" xmlns:r="http://schemas.openxmlformats.org/officeDocument/2006/relationships" xmlns:p="http://schemas.openxmlformats.org/presentationml/2006/main">
   <p:cSld>
     <p:spTree>
@@ -4327,7 +4755,7 @@
             <a:fld id="{9CAA6850-6AF0-4A45-8B3A-FEE9E8969215}" type="slidenum">
               <a:rPr lang="en-US" altLang="en-US"/>
               <a:pPr/>
-              <a:t>12</a:t>
+              <a:t>14</a:t>
             </a:fld>
             <a:endParaRPr lang="en-US" altLang="en-US"/>
           </a:p>
@@ -4531,7 +4959,7 @@
 </p:sld>
 </file>
 
-<file path=ppt/slides/slide13.xml><?xml version="1.0" encoding="utf-8"?>
+<file path=ppt/slides/slide15.xml><?xml version="1.0" encoding="utf-8"?>
 <p:sld xmlns:a="http://schemas.openxmlformats.org/drawingml/2006/main" xmlns:r="http://schemas.openxmlformats.org/officeDocument/2006/relationships" xmlns:p="http://schemas.openxmlformats.org/presentationml/2006/main">
   <p:cSld>
     <p:spTree>
@@ -4566,7 +4994,7 @@
             <a:fld id="{9CAA6850-6AF0-4A45-8B3A-FEE9E8969215}" type="slidenum">
               <a:rPr lang="en-US" altLang="en-US"/>
               <a:pPr/>
-              <a:t>13</a:t>
+              <a:t>15</a:t>
             </a:fld>
             <a:endParaRPr lang="en-US" altLang="en-US"/>
           </a:p>
@@ -4770,7 +5198,7 @@
 </p:sld>
 </file>
 
-<file path=ppt/slides/slide14.xml><?xml version="1.0" encoding="utf-8"?>
+<file path=ppt/slides/slide16.xml><?xml version="1.0" encoding="utf-8"?>
 <p:sld xmlns:a="http://schemas.openxmlformats.org/drawingml/2006/main" xmlns:r="http://schemas.openxmlformats.org/officeDocument/2006/relationships" xmlns:p="http://schemas.openxmlformats.org/presentationml/2006/main">
   <p:cSld>
     <p:spTree>
@@ -4805,7 +5233,7 @@
             <a:fld id="{9CAA6850-6AF0-4A45-8B3A-FEE9E8969215}" type="slidenum">
               <a:rPr lang="en-US" altLang="en-US"/>
               <a:pPr/>
-              <a:t>14</a:t>
+              <a:t>16</a:t>
             </a:fld>
             <a:endParaRPr lang="en-US" altLang="en-US"/>
           </a:p>
@@ -5009,7 +5437,7 @@
 </p:sld>
 </file>
 
-<file path=ppt/slides/slide15.xml><?xml version="1.0" encoding="utf-8"?>
+<file path=ppt/slides/slide17.xml><?xml version="1.0" encoding="utf-8"?>
 <p:sld xmlns:a="http://schemas.openxmlformats.org/drawingml/2006/main" xmlns:r="http://schemas.openxmlformats.org/officeDocument/2006/relationships" xmlns:p="http://schemas.openxmlformats.org/presentationml/2006/main">
   <p:cSld>
     <p:spTree>
@@ -5044,7 +5472,7 @@
             <a:fld id="{9CAA6850-6AF0-4A45-8B3A-FEE9E8969215}" type="slidenum">
               <a:rPr lang="en-US" altLang="en-US"/>
               <a:pPr/>
-              <a:t>15</a:t>
+              <a:t>17</a:t>
             </a:fld>
             <a:endParaRPr lang="en-US" altLang="en-US"/>
           </a:p>
@@ -5252,7 +5680,7 @@
 </p:sld>
 </file>
 
-<file path=ppt/slides/slide16.xml><?xml version="1.0" encoding="utf-8"?>
+<file path=ppt/slides/slide18.xml><?xml version="1.0" encoding="utf-8"?>
 <p:sld xmlns:a="http://schemas.openxmlformats.org/drawingml/2006/main" xmlns:r="http://schemas.openxmlformats.org/officeDocument/2006/relationships" xmlns:p="http://schemas.openxmlformats.org/presentationml/2006/main">
   <p:cSld>
     <p:spTree>
@@ -5287,7 +5715,7 @@
             <a:fld id="{9CAA6850-6AF0-4A45-8B3A-FEE9E8969215}" type="slidenum">
               <a:rPr lang="en-US" altLang="en-US"/>
               <a:pPr/>
-              <a:t>16</a:t>
+              <a:t>18</a:t>
             </a:fld>
             <a:endParaRPr lang="en-US" altLang="en-US"/>
           </a:p>
@@ -5491,7 +5919,7 @@
 </p:sld>
 </file>
 
-<file path=ppt/slides/slide17.xml><?xml version="1.0" encoding="utf-8"?>
+<file path=ppt/slides/slide19.xml><?xml version="1.0" encoding="utf-8"?>
 <p:sld xmlns:a="http://schemas.openxmlformats.org/drawingml/2006/main" xmlns:r="http://schemas.openxmlformats.org/officeDocument/2006/relationships" xmlns:p="http://schemas.openxmlformats.org/presentationml/2006/main">
   <p:cSld>
     <p:spTree>
@@ -5526,7 +5954,7 @@
             <a:fld id="{9CAA6850-6AF0-4A45-8B3A-FEE9E8969215}" type="slidenum">
               <a:rPr lang="en-US" altLang="en-US"/>
               <a:pPr/>
-              <a:t>17</a:t>
+              <a:t>19</a:t>
             </a:fld>
             <a:endParaRPr lang="en-US" altLang="en-US"/>
           </a:p>
@@ -5734,7 +6162,7 @@
 </p:sld>
 </file>
 
-<file path=ppt/slides/slide18.xml><?xml version="1.0" encoding="utf-8"?>
+<file path=ppt/slides/slide2.xml><?xml version="1.0" encoding="utf-8"?>
 <p:sld xmlns:a="http://schemas.openxmlformats.org/drawingml/2006/main" xmlns:r="http://schemas.openxmlformats.org/officeDocument/2006/relationships" xmlns:p="http://schemas.openxmlformats.org/presentationml/2006/main">
   <p:cSld>
     <p:spTree>
@@ -5769,7 +6197,342 @@
             <a:fld id="{9CAA6850-6AF0-4A45-8B3A-FEE9E8969215}" type="slidenum">
               <a:rPr lang="en-US" altLang="en-US"/>
               <a:pPr/>
-              <a:t>18</a:t>
+              <a:t>2</a:t>
+            </a:fld>
+            <a:endParaRPr lang="en-US" altLang="en-US"/>
+          </a:p>
+        </p:txBody>
+      </p:sp>
+      <p:sp>
+        <p:nvSpPr>
+          <p:cNvPr id="9220" name="Rectangle 4"/>
+          <p:cNvSpPr>
+            <a:spLocks noGrp="1" noChangeArrowheads="1"/>
+          </p:cNvSpPr>
+          <p:nvPr>
+            <p:ph type="title"/>
+          </p:nvPr>
+        </p:nvSpPr>
+        <p:spPr bwMode="auto">
+          <a:xfrm>
+            <a:off x="457200" y="274638"/>
+            <a:ext cx="8229600" cy="868362"/>
+          </a:xfrm>
+          <a:noFill/>
+          <a:ln/>
+          <a:extLst>
+            <a:ext uri="{909E8E84-426E-40DD-AFC4-6F175D3DCCD1}">
+              <a14:hiddenFill xmlns:a14="http://schemas.microsoft.com/office/drawing/2010/main">
+                <a:solidFill>
+                  <a:schemeClr val="accent1"/>
+                </a:solidFill>
+              </a14:hiddenFill>
+            </a:ext>
+            <a:ext uri="{91240B29-F687-4F45-9708-019B960494DF}">
+              <a14:hiddenLine xmlns:a14="http://schemas.microsoft.com/office/drawing/2010/main" w="9525">
+                <a:solidFill>
+                  <a:schemeClr val="tx1"/>
+                </a:solidFill>
+                <a:miter lim="800000"/>
+                <a:headEnd/>
+                <a:tailEnd/>
+              </a14:hiddenLine>
+            </a:ext>
+            <a:ext uri="{AF507438-7753-43E0-B8FC-AC1667EBCBE1}">
+              <a14:hiddenEffects xmlns:a14="http://schemas.microsoft.com/office/drawing/2010/main">
+                <a:effectLst>
+                  <a:outerShdw dist="35921" dir="2700000" algn="ctr" rotWithShape="0">
+                    <a:schemeClr val="bg2"/>
+                  </a:outerShdw>
+                </a:effectLst>
+              </a14:hiddenEffects>
+            </a:ext>
+          </a:extLst>
+        </p:spPr>
+        <p:txBody>
+          <a:bodyPr vert="horz" wrap="square" lIns="91440" tIns="45720" rIns="91440" bIns="45720" numCol="1" anchor="t" anchorCtr="0" compatLnSpc="1">
+            <a:prstTxWarp prst="textNoShape">
+              <a:avLst/>
+            </a:prstTxWarp>
+          </a:bodyPr>
+          <a:lstStyle/>
+          <a:p>
+            <a:r>
+              <a:rPr lang="en-US" altLang="en-US" dirty="0" smtClean="0"/>
+              <a:t>Hibernate </a:t>
+            </a:r>
+            <a:endParaRPr lang="en-US" altLang="en-US" dirty="0"/>
+          </a:p>
+        </p:txBody>
+      </p:sp>
+      <p:sp>
+        <p:nvSpPr>
+          <p:cNvPr id="9221" name="Rectangle 5"/>
+          <p:cNvSpPr>
+            <a:spLocks noGrp="1" noChangeArrowheads="1"/>
+          </p:cNvSpPr>
+          <p:nvPr>
+            <p:ph type="body" idx="1"/>
+          </p:nvPr>
+        </p:nvSpPr>
+        <p:spPr bwMode="auto">
+          <a:xfrm>
+            <a:off x="457200" y="1295400"/>
+            <a:ext cx="8229600" cy="4830763"/>
+          </a:xfrm>
+          <a:noFill/>
+          <a:ln/>
+          <a:extLst>
+            <a:ext uri="{909E8E84-426E-40DD-AFC4-6F175D3DCCD1}">
+              <a14:hiddenFill xmlns:a14="http://schemas.microsoft.com/office/drawing/2010/main">
+                <a:solidFill>
+                  <a:schemeClr val="accent1"/>
+                </a:solidFill>
+              </a14:hiddenFill>
+            </a:ext>
+            <a:ext uri="{91240B29-F687-4F45-9708-019B960494DF}">
+              <a14:hiddenLine xmlns:a14="http://schemas.microsoft.com/office/drawing/2010/main" w="9525">
+                <a:solidFill>
+                  <a:schemeClr val="tx1"/>
+                </a:solidFill>
+                <a:miter lim="800000"/>
+                <a:headEnd/>
+                <a:tailEnd/>
+              </a14:hiddenLine>
+            </a:ext>
+            <a:ext uri="{AF507438-7753-43E0-B8FC-AC1667EBCBE1}">
+              <a14:hiddenEffects xmlns:a14="http://schemas.microsoft.com/office/drawing/2010/main">
+                <a:effectLst>
+                  <a:outerShdw dist="35921" dir="2700000" algn="ctr" rotWithShape="0">
+                    <a:schemeClr val="bg2"/>
+                  </a:outerShdw>
+                </a:effectLst>
+              </a14:hiddenEffects>
+            </a:ext>
+          </a:extLst>
+        </p:spPr>
+        <p:txBody>
+          <a:bodyPr vert="horz" wrap="square" lIns="91440" tIns="45720" rIns="91440" bIns="45720" numCol="1" anchor="t" anchorCtr="0" compatLnSpc="1">
+            <a:prstTxWarp prst="textNoShape">
+              <a:avLst/>
+            </a:prstTxWarp>
+          </a:bodyPr>
+          <a:lstStyle/>
+          <a:p>
+            <a:pPr>
+              <a:lnSpc>
+                <a:spcPct val="90000"/>
+              </a:lnSpc>
+            </a:pPr>
+            <a:r>
+              <a:rPr lang="en-US" altLang="en-US" sz="2400" dirty="0">
+                <a:latin typeface="David" panose="020E0502060401010101" pitchFamily="34" charset="-79"/>
+                <a:cs typeface="David" panose="020E0502060401010101" pitchFamily="34" charset="-79"/>
+                <a:hlinkClick r:id="rId2"/>
+              </a:rPr>
+              <a:t>http://hibernate.org/orm</a:t>
+            </a:r>
+            <a:r>
+              <a:rPr lang="en-US" altLang="en-US" sz="2400" dirty="0" smtClean="0">
+                <a:latin typeface="David" panose="020E0502060401010101" pitchFamily="34" charset="-79"/>
+                <a:cs typeface="David" panose="020E0502060401010101" pitchFamily="34" charset="-79"/>
+                <a:hlinkClick r:id="rId2"/>
+              </a:rPr>
+              <a:t>/</a:t>
+            </a:r>
+            <a:endParaRPr lang="en-US" altLang="en-US" sz="2400" dirty="0" smtClean="0">
+              <a:latin typeface="David" panose="020E0502060401010101" pitchFamily="34" charset="-79"/>
+              <a:cs typeface="David" panose="020E0502060401010101" pitchFamily="34" charset="-79"/>
+            </a:endParaRPr>
+          </a:p>
+          <a:p>
+            <a:pPr>
+              <a:lnSpc>
+                <a:spcPct val="90000"/>
+              </a:lnSpc>
+            </a:pPr>
+            <a:r>
+              <a:rPr lang="en-US" altLang="en-US" sz="2400" dirty="0">
+                <a:latin typeface="David" panose="020E0502060401010101" pitchFamily="34" charset="-79"/>
+                <a:cs typeface="David" panose="020E0502060401010101" pitchFamily="34" charset="-79"/>
+                <a:hlinkClick r:id="rId3"/>
+              </a:rPr>
+              <a:t>http://hibernate.org/orm/downloads</a:t>
+            </a:r>
+            <a:r>
+              <a:rPr lang="en-US" altLang="en-US" sz="2400" dirty="0" smtClean="0">
+                <a:latin typeface="David" panose="020E0502060401010101" pitchFamily="34" charset="-79"/>
+                <a:cs typeface="David" panose="020E0502060401010101" pitchFamily="34" charset="-79"/>
+                <a:hlinkClick r:id="rId3"/>
+              </a:rPr>
+              <a:t>/</a:t>
+            </a:r>
+            <a:endParaRPr lang="en-US" altLang="en-US" sz="2400" dirty="0" smtClean="0">
+              <a:latin typeface="David" panose="020E0502060401010101" pitchFamily="34" charset="-79"/>
+              <a:cs typeface="David" panose="020E0502060401010101" pitchFamily="34" charset="-79"/>
+            </a:endParaRPr>
+          </a:p>
+          <a:p>
+            <a:pPr>
+              <a:lnSpc>
+                <a:spcPct val="90000"/>
+              </a:lnSpc>
+            </a:pPr>
+            <a:r>
+              <a:rPr lang="en-US" altLang="en-US" sz="2400" dirty="0">
+                <a:latin typeface="David" panose="020E0502060401010101" pitchFamily="34" charset="-79"/>
+                <a:cs typeface="David" panose="020E0502060401010101" pitchFamily="34" charset="-79"/>
+                <a:hlinkClick r:id="rId4"/>
+              </a:rPr>
+              <a:t>https://en.wikipedia.org/wiki/Hibernate_%</a:t>
+            </a:r>
+            <a:r>
+              <a:rPr lang="en-US" altLang="en-US" sz="2400" dirty="0" smtClean="0">
+                <a:latin typeface="David" panose="020E0502060401010101" pitchFamily="34" charset="-79"/>
+                <a:cs typeface="David" panose="020E0502060401010101" pitchFamily="34" charset="-79"/>
+                <a:hlinkClick r:id="rId4"/>
+              </a:rPr>
+              <a:t>28framework%29</a:t>
+            </a:r>
+            <a:endParaRPr lang="en-US" altLang="en-US" sz="2400" dirty="0" smtClean="0">
+              <a:latin typeface="David" panose="020E0502060401010101" pitchFamily="34" charset="-79"/>
+              <a:cs typeface="David" panose="020E0502060401010101" pitchFamily="34" charset="-79"/>
+            </a:endParaRPr>
+          </a:p>
+          <a:p>
+            <a:pPr>
+              <a:lnSpc>
+                <a:spcPct val="90000"/>
+              </a:lnSpc>
+            </a:pPr>
+            <a:endParaRPr lang="en-US" altLang="en-US" sz="2400" dirty="0" smtClean="0">
+              <a:latin typeface="David" panose="020E0502060401010101" pitchFamily="34" charset="-79"/>
+              <a:cs typeface="David" panose="020E0502060401010101" pitchFamily="34" charset="-79"/>
+            </a:endParaRPr>
+          </a:p>
+          <a:p>
+            <a:pPr>
+              <a:lnSpc>
+                <a:spcPct val="90000"/>
+              </a:lnSpc>
+            </a:pPr>
+            <a:endParaRPr lang="en-US" altLang="en-US" sz="2400" dirty="0" smtClean="0"/>
+          </a:p>
+          <a:p>
+            <a:pPr>
+              <a:lnSpc>
+                <a:spcPct val="90000"/>
+              </a:lnSpc>
+            </a:pPr>
+            <a:endParaRPr lang="en-US" altLang="en-US" sz="2400" dirty="0"/>
+          </a:p>
+        </p:txBody>
+      </p:sp>
+      <p:pic>
+        <p:nvPicPr>
+          <p:cNvPr id="3074" name="Picture 2"/>
+          <p:cNvPicPr>
+            <a:picLocks noChangeAspect="1" noChangeArrowheads="1"/>
+          </p:cNvPicPr>
+          <p:nvPr/>
+        </p:nvPicPr>
+        <p:blipFill>
+          <a:blip r:embed="rId5">
+            <a:extLst>
+              <a:ext uri="{28A0092B-C50C-407E-A947-70E740481C1C}">
+                <a14:useLocalDpi xmlns:a14="http://schemas.microsoft.com/office/drawing/2010/main" val="0"/>
+              </a:ext>
+            </a:extLst>
+          </a:blip>
+          <a:srcRect/>
+          <a:stretch>
+            <a:fillRect/>
+          </a:stretch>
+        </p:blipFill>
+        <p:spPr bwMode="auto">
+          <a:xfrm>
+            <a:off x="3143250" y="3438525"/>
+            <a:ext cx="2857500" cy="2124075"/>
+          </a:xfrm>
+          <a:prstGeom prst="rect">
+            <a:avLst/>
+          </a:prstGeom>
+          <a:noFill/>
+          <a:ln>
+            <a:noFill/>
+          </a:ln>
+          <a:extLst>
+            <a:ext uri="{909E8E84-426E-40DD-AFC4-6F175D3DCCD1}">
+              <a14:hiddenFill xmlns:a14="http://schemas.microsoft.com/office/drawing/2010/main">
+                <a:solidFill>
+                  <a:schemeClr val="accent1"/>
+                </a:solidFill>
+              </a14:hiddenFill>
+            </a:ext>
+            <a:ext uri="{91240B29-F687-4F45-9708-019B960494DF}">
+              <a14:hiddenLine xmlns:a14="http://schemas.microsoft.com/office/drawing/2010/main" w="9525">
+                <a:solidFill>
+                  <a:schemeClr val="tx1"/>
+                </a:solidFill>
+                <a:miter lim="800000"/>
+                <a:headEnd/>
+                <a:tailEnd/>
+              </a14:hiddenLine>
+            </a:ext>
+          </a:extLst>
+        </p:spPr>
+      </p:pic>
+    </p:spTree>
+  </p:cSld>
+  <p:clrMapOvr>
+    <a:masterClrMapping/>
+  </p:clrMapOvr>
+  <p:timing>
+    <p:tnLst>
+      <p:par>
+        <p:cTn id="1" dur="indefinite" restart="never" nodeType="tmRoot"/>
+      </p:par>
+    </p:tnLst>
+  </p:timing>
+</p:sld>
+</file>
+
+<file path=ppt/slides/slide20.xml><?xml version="1.0" encoding="utf-8"?>
+<p:sld xmlns:a="http://schemas.openxmlformats.org/drawingml/2006/main" xmlns:r="http://schemas.openxmlformats.org/officeDocument/2006/relationships" xmlns:p="http://schemas.openxmlformats.org/presentationml/2006/main">
+  <p:cSld>
+    <p:spTree>
+      <p:nvGrpSpPr>
+        <p:cNvPr id="1" name=""/>
+        <p:cNvGrpSpPr/>
+        <p:nvPr/>
+      </p:nvGrpSpPr>
+      <p:grpSpPr>
+        <a:xfrm>
+          <a:off x="0" y="0"/>
+          <a:ext cx="0" cy="0"/>
+          <a:chOff x="0" y="0"/>
+          <a:chExt cx="0" cy="0"/>
+        </a:xfrm>
+      </p:grpSpPr>
+      <p:sp>
+        <p:nvSpPr>
+          <p:cNvPr id="4" name="Slide Number Placeholder 3"/>
+          <p:cNvSpPr>
+            <a:spLocks noGrp="1"/>
+          </p:cNvSpPr>
+          <p:nvPr>
+            <p:ph type="sldNum" sz="quarter" idx="10"/>
+          </p:nvPr>
+        </p:nvSpPr>
+        <p:spPr/>
+        <p:txBody>
+          <a:bodyPr/>
+          <a:lstStyle/>
+          <a:p>
+            <a:fld id="{9CAA6850-6AF0-4A45-8B3A-FEE9E8969215}" type="slidenum">
+              <a:rPr lang="en-US" altLang="en-US"/>
+              <a:pPr/>
+              <a:t>20</a:t>
             </a:fld>
             <a:endParaRPr lang="en-US" altLang="en-US"/>
           </a:p>
@@ -5977,7 +6740,7 @@
 </p:sld>
 </file>
 
-<file path=ppt/slides/slide19.xml><?xml version="1.0" encoding="utf-8"?>
+<file path=ppt/slides/slide21.xml><?xml version="1.0" encoding="utf-8"?>
 <p:sld xmlns:a="http://schemas.openxmlformats.org/drawingml/2006/main" xmlns:r="http://schemas.openxmlformats.org/officeDocument/2006/relationships" xmlns:p="http://schemas.openxmlformats.org/presentationml/2006/main">
   <p:cSld>
     <p:spTree>
@@ -6012,7 +6775,7 @@
             <a:fld id="{9CAA6850-6AF0-4A45-8B3A-FEE9E8969215}" type="slidenum">
               <a:rPr lang="en-US" altLang="en-US"/>
               <a:pPr/>
-              <a:t>19</a:t>
+              <a:t>21</a:t>
             </a:fld>
             <a:endParaRPr lang="en-US" altLang="en-US"/>
           </a:p>
@@ -6220,7 +6983,7 @@
 </p:sld>
 </file>
 
-<file path=ppt/slides/slide2.xml><?xml version="1.0" encoding="utf-8"?>
+<file path=ppt/slides/slide22.xml><?xml version="1.0" encoding="utf-8"?>
 <p:sld xmlns:a="http://schemas.openxmlformats.org/drawingml/2006/main" xmlns:r="http://schemas.openxmlformats.org/officeDocument/2006/relationships" xmlns:p="http://schemas.openxmlformats.org/presentationml/2006/main">
   <p:cSld>
     <p:spTree>
@@ -6255,7 +7018,7 @@
             <a:fld id="{9CAA6850-6AF0-4A45-8B3A-FEE9E8969215}" type="slidenum">
               <a:rPr lang="en-US" altLang="en-US"/>
               <a:pPr/>
-              <a:t>2</a:t>
+              <a:t>22</a:t>
             </a:fld>
             <a:endParaRPr lang="en-US" altLang="en-US"/>
           </a:p>
@@ -6316,10 +7079,9 @@
           <a:lstStyle/>
           <a:p>
             <a:r>
-              <a:rPr lang="en-US" altLang="en-US" dirty="0" smtClean="0"/>
-              <a:t>Hibernate </a:t>
-            </a:r>
-            <a:endParaRPr lang="en-US" altLang="en-US" dirty="0"/>
+              <a:rPr lang="en-US" altLang="en-US" dirty="0"/>
+              <a:t>Hibernate Setup </a:t>
+            </a:r>
           </a:p>
         </p:txBody>
       </p:sp>
@@ -6383,25 +7145,17 @@
               </a:lnSpc>
             </a:pPr>
             <a:r>
-              <a:rPr lang="en-US" altLang="en-US" sz="2400" dirty="0">
-                <a:latin typeface="David" panose="020E0502060401010101" pitchFamily="34" charset="-79"/>
-                <a:cs typeface="David" panose="020E0502060401010101" pitchFamily="34" charset="-79"/>
-                <a:hlinkClick r:id="rId2"/>
-              </a:rPr>
-              <a:t>http://hibernate.org/orm</a:t>
-            </a:r>
-            <a:r>
-              <a:rPr lang="en-US" altLang="en-US" sz="2400" dirty="0" smtClean="0">
-                <a:latin typeface="David" panose="020E0502060401010101" pitchFamily="34" charset="-79"/>
-                <a:cs typeface="David" panose="020E0502060401010101" pitchFamily="34" charset="-79"/>
-                <a:hlinkClick r:id="rId2"/>
-              </a:rPr>
-              <a:t>/</a:t>
-            </a:r>
-            <a:endParaRPr lang="en-US" altLang="en-US" sz="2400" dirty="0" smtClean="0">
-              <a:latin typeface="David" panose="020E0502060401010101" pitchFamily="34" charset="-79"/>
-              <a:cs typeface="David" panose="020E0502060401010101" pitchFamily="34" charset="-79"/>
-            </a:endParaRPr>
+              <a:rPr lang="en-US" altLang="en-US" sz="2800" dirty="0" smtClean="0"/>
+              <a:t>After </a:t>
+            </a:r>
+            <a:r>
+              <a:rPr lang="en-US" altLang="en-US" sz="2800" smtClean="0"/>
+              <a:t>following these </a:t>
+            </a:r>
+            <a:r>
+              <a:rPr lang="en-US" altLang="en-US" sz="2800" dirty="0" smtClean="0"/>
+              <a:t>steps, you should be ready to begin on the project</a:t>
+            </a:r>
           </a:p>
           <a:p>
             <a:pPr>
@@ -6410,165 +7164,23 @@
               </a:lnSpc>
             </a:pPr>
             <a:r>
-              <a:rPr lang="en-US" altLang="en-US" sz="2400" dirty="0">
-                <a:latin typeface="David" panose="020E0502060401010101" pitchFamily="34" charset="-79"/>
-                <a:cs typeface="David" panose="020E0502060401010101" pitchFamily="34" charset="-79"/>
-                <a:hlinkClick r:id="rId3"/>
-              </a:rPr>
-              <a:t>http://hibernate.org/orm/downloads</a:t>
-            </a:r>
-            <a:r>
-              <a:rPr lang="en-US" altLang="en-US" sz="2400" dirty="0" smtClean="0">
-                <a:latin typeface="David" panose="020E0502060401010101" pitchFamily="34" charset="-79"/>
-                <a:cs typeface="David" panose="020E0502060401010101" pitchFamily="34" charset="-79"/>
-                <a:hlinkClick r:id="rId3"/>
-              </a:rPr>
-              <a:t>/</a:t>
-            </a:r>
-            <a:endParaRPr lang="en-US" altLang="en-US" sz="2400" dirty="0" smtClean="0">
-              <a:latin typeface="David" panose="020E0502060401010101" pitchFamily="34" charset="-79"/>
-              <a:cs typeface="David" panose="020E0502060401010101" pitchFamily="34" charset="-79"/>
-            </a:endParaRPr>
-          </a:p>
-          <a:p>
-            <a:pPr>
-              <a:lnSpc>
-                <a:spcPct val="90000"/>
-              </a:lnSpc>
-            </a:pPr>
-            <a:r>
-              <a:rPr lang="en-US" altLang="en-US" sz="2400" dirty="0">
-                <a:latin typeface="David" panose="020E0502060401010101" pitchFamily="34" charset="-79"/>
-                <a:cs typeface="David" panose="020E0502060401010101" pitchFamily="34" charset="-79"/>
-                <a:hlinkClick r:id="rId4"/>
-              </a:rPr>
-              <a:t>https://en.wikipedia.org/wiki/Hibernate_%</a:t>
-            </a:r>
-            <a:r>
-              <a:rPr lang="en-US" altLang="en-US" sz="2400" dirty="0" smtClean="0">
-                <a:latin typeface="David" panose="020E0502060401010101" pitchFamily="34" charset="-79"/>
-                <a:cs typeface="David" panose="020E0502060401010101" pitchFamily="34" charset="-79"/>
-                <a:hlinkClick r:id="rId4"/>
-              </a:rPr>
-              <a:t>28framework%29</a:t>
-            </a:r>
-            <a:endParaRPr lang="en-US" altLang="en-US" sz="2400" dirty="0" smtClean="0">
-              <a:latin typeface="David" panose="020E0502060401010101" pitchFamily="34" charset="-79"/>
-              <a:cs typeface="David" panose="020E0502060401010101" pitchFamily="34" charset="-79"/>
-            </a:endParaRPr>
-          </a:p>
-          <a:p>
-            <a:pPr>
-              <a:lnSpc>
-                <a:spcPct val="90000"/>
-              </a:lnSpc>
-            </a:pPr>
-            <a:r>
-              <a:rPr lang="en-US" altLang="en-US" sz="2400" dirty="0" smtClean="0">
-                <a:latin typeface="David" panose="020E0502060401010101" pitchFamily="34" charset="-79"/>
-                <a:cs typeface="David" panose="020E0502060401010101" pitchFamily="34" charset="-79"/>
-              </a:rPr>
-              <a:t>Download the hibernate software from the link above.</a:t>
-            </a:r>
-          </a:p>
-          <a:p>
-            <a:pPr>
-              <a:lnSpc>
-                <a:spcPct val="90000"/>
-              </a:lnSpc>
-            </a:pPr>
-            <a:r>
-              <a:rPr lang="en-US" altLang="en-US" sz="2400" dirty="0" smtClean="0">
-                <a:latin typeface="David" panose="020E0502060401010101" pitchFamily="34" charset="-79"/>
-                <a:cs typeface="David" panose="020E0502060401010101" pitchFamily="34" charset="-79"/>
-              </a:rPr>
-              <a:t>Unzip it to a local directory</a:t>
-            </a:r>
-          </a:p>
-          <a:p>
-            <a:pPr>
-              <a:lnSpc>
-                <a:spcPct val="90000"/>
-              </a:lnSpc>
-            </a:pPr>
-            <a:endParaRPr lang="en-US" altLang="en-US" sz="2400" dirty="0" smtClean="0">
-              <a:latin typeface="David" panose="020E0502060401010101" pitchFamily="34" charset="-79"/>
-              <a:cs typeface="David" panose="020E0502060401010101" pitchFamily="34" charset="-79"/>
-            </a:endParaRPr>
-          </a:p>
-          <a:p>
-            <a:pPr>
-              <a:lnSpc>
-                <a:spcPct val="90000"/>
-              </a:lnSpc>
-            </a:pPr>
-            <a:endParaRPr lang="en-US" altLang="en-US" sz="2400" dirty="0" smtClean="0"/>
-          </a:p>
-          <a:p>
-            <a:pPr>
-              <a:lnSpc>
-                <a:spcPct val="90000"/>
-              </a:lnSpc>
-            </a:pPr>
+              <a:rPr lang="en-US" altLang="en-US" sz="2800" dirty="0"/>
+              <a:t>Hibernate - Part </a:t>
+            </a:r>
+            <a:r>
+              <a:rPr lang="en-US" altLang="en-US" sz="2800" dirty="0" smtClean="0"/>
+              <a:t>2 will provide step by step instructions</a:t>
+            </a:r>
             <a:endParaRPr lang="en-US" altLang="en-US" sz="2400" dirty="0"/>
           </a:p>
         </p:txBody>
       </p:sp>
-      <p:pic>
-        <p:nvPicPr>
-          <p:cNvPr id="3074" name="Picture 2"/>
-          <p:cNvPicPr>
-            <a:picLocks noChangeAspect="1" noChangeArrowheads="1"/>
-          </p:cNvPicPr>
-          <p:nvPr/>
-        </p:nvPicPr>
-        <p:blipFill>
-          <a:blip r:embed="rId5">
-            <a:extLst>
-              <a:ext uri="{28A0092B-C50C-407E-A947-70E740481C1C}">
-                <a14:useLocalDpi xmlns:a14="http://schemas.microsoft.com/office/drawing/2010/main" val="0"/>
-              </a:ext>
-            </a:extLst>
-          </a:blip>
-          <a:srcRect/>
-          <a:stretch>
-            <a:fillRect/>
-          </a:stretch>
-        </p:blipFill>
-        <p:spPr bwMode="auto">
-          <a:xfrm>
-            <a:off x="3143250" y="3438525"/>
-            <a:ext cx="2857500" cy="2124075"/>
-          </a:xfrm>
-          <a:prstGeom prst="rect">
-            <a:avLst/>
-          </a:prstGeom>
-          <a:noFill/>
-          <a:ln>
-            <a:noFill/>
-          </a:ln>
-          <a:extLst>
-            <a:ext uri="{909E8E84-426E-40DD-AFC4-6F175D3DCCD1}">
-              <a14:hiddenFill xmlns:a14="http://schemas.microsoft.com/office/drawing/2010/main">
-                <a:solidFill>
-                  <a:schemeClr val="accent1"/>
-                </a:solidFill>
-              </a14:hiddenFill>
-            </a:ext>
-            <a:ext uri="{91240B29-F687-4F45-9708-019B960494DF}">
-              <a14:hiddenLine xmlns:a14="http://schemas.microsoft.com/office/drawing/2010/main" w="9525">
-                <a:solidFill>
-                  <a:schemeClr val="tx1"/>
-                </a:solidFill>
-                <a:miter lim="800000"/>
-                <a:headEnd/>
-                <a:tailEnd/>
-              </a14:hiddenLine>
-            </a:ext>
-          </a:extLst>
-        </p:spPr>
-      </p:pic>
     </p:spTree>
+    <p:extLst>
+      <p:ext uri="{BB962C8B-B14F-4D97-AF65-F5344CB8AC3E}">
+        <p14:creationId xmlns:p14="http://schemas.microsoft.com/office/powerpoint/2010/main" val="843986934"/>
+      </p:ext>
+    </p:extLst>
   </p:cSld>
   <p:clrMapOvr>
     <a:masterClrMapping/>
@@ -6583,7 +7195,7 @@
 </p:sld>
 </file>
 
-<file path=ppt/slides/slide20.xml><?xml version="1.0" encoding="utf-8"?>
+<file path=ppt/slides/slide23.xml><?xml version="1.0" encoding="utf-8"?>
 <p:sld xmlns:a="http://schemas.openxmlformats.org/drawingml/2006/main" xmlns:r="http://schemas.openxmlformats.org/officeDocument/2006/relationships" xmlns:p="http://schemas.openxmlformats.org/presentationml/2006/main">
   <p:cSld>
     <p:spTree>
@@ -6618,219 +7230,7 @@
             <a:fld id="{9CAA6850-6AF0-4A45-8B3A-FEE9E8969215}" type="slidenum">
               <a:rPr lang="en-US" altLang="en-US"/>
               <a:pPr/>
-              <a:t>20</a:t>
-            </a:fld>
-            <a:endParaRPr lang="en-US" altLang="en-US"/>
-          </a:p>
-        </p:txBody>
-      </p:sp>
-      <p:sp>
-        <p:nvSpPr>
-          <p:cNvPr id="9220" name="Rectangle 4"/>
-          <p:cNvSpPr>
-            <a:spLocks noGrp="1" noChangeArrowheads="1"/>
-          </p:cNvSpPr>
-          <p:nvPr>
-            <p:ph type="title"/>
-          </p:nvPr>
-        </p:nvSpPr>
-        <p:spPr bwMode="auto">
-          <a:xfrm>
-            <a:off x="457200" y="274638"/>
-            <a:ext cx="8229600" cy="868362"/>
-          </a:xfrm>
-          <a:noFill/>
-          <a:ln/>
-          <a:extLst>
-            <a:ext uri="{909E8E84-426E-40DD-AFC4-6F175D3DCCD1}">
-              <a14:hiddenFill xmlns:a14="http://schemas.microsoft.com/office/drawing/2010/main">
-                <a:solidFill>
-                  <a:schemeClr val="accent1"/>
-                </a:solidFill>
-              </a14:hiddenFill>
-            </a:ext>
-            <a:ext uri="{91240B29-F687-4F45-9708-019B960494DF}">
-              <a14:hiddenLine xmlns:a14="http://schemas.microsoft.com/office/drawing/2010/main" w="9525">
-                <a:solidFill>
-                  <a:schemeClr val="tx1"/>
-                </a:solidFill>
-                <a:miter lim="800000"/>
-                <a:headEnd/>
-                <a:tailEnd/>
-              </a14:hiddenLine>
-            </a:ext>
-            <a:ext uri="{AF507438-7753-43E0-B8FC-AC1667EBCBE1}">
-              <a14:hiddenEffects xmlns:a14="http://schemas.microsoft.com/office/drawing/2010/main">
-                <a:effectLst>
-                  <a:outerShdw dist="35921" dir="2700000" algn="ctr" rotWithShape="0">
-                    <a:schemeClr val="bg2"/>
-                  </a:outerShdw>
-                </a:effectLst>
-              </a14:hiddenEffects>
-            </a:ext>
-          </a:extLst>
-        </p:spPr>
-        <p:txBody>
-          <a:bodyPr vert="horz" wrap="square" lIns="91440" tIns="45720" rIns="91440" bIns="45720" numCol="1" anchor="t" anchorCtr="0" compatLnSpc="1">
-            <a:prstTxWarp prst="textNoShape">
-              <a:avLst/>
-            </a:prstTxWarp>
-          </a:bodyPr>
-          <a:lstStyle/>
-          <a:p>
-            <a:r>
-              <a:rPr lang="en-US" altLang="en-US" dirty="0"/>
-              <a:t>Hibernate Setup </a:t>
-            </a:r>
-          </a:p>
-        </p:txBody>
-      </p:sp>
-      <p:sp>
-        <p:nvSpPr>
-          <p:cNvPr id="9221" name="Rectangle 5"/>
-          <p:cNvSpPr>
-            <a:spLocks noGrp="1" noChangeArrowheads="1"/>
-          </p:cNvSpPr>
-          <p:nvPr>
-            <p:ph type="body" idx="1"/>
-          </p:nvPr>
-        </p:nvSpPr>
-        <p:spPr bwMode="auto">
-          <a:xfrm>
-            <a:off x="457200" y="1295400"/>
-            <a:ext cx="8229600" cy="4830763"/>
-          </a:xfrm>
-          <a:noFill/>
-          <a:ln/>
-          <a:extLst>
-            <a:ext uri="{909E8E84-426E-40DD-AFC4-6F175D3DCCD1}">
-              <a14:hiddenFill xmlns:a14="http://schemas.microsoft.com/office/drawing/2010/main">
-                <a:solidFill>
-                  <a:schemeClr val="accent1"/>
-                </a:solidFill>
-              </a14:hiddenFill>
-            </a:ext>
-            <a:ext uri="{91240B29-F687-4F45-9708-019B960494DF}">
-              <a14:hiddenLine xmlns:a14="http://schemas.microsoft.com/office/drawing/2010/main" w="9525">
-                <a:solidFill>
-                  <a:schemeClr val="tx1"/>
-                </a:solidFill>
-                <a:miter lim="800000"/>
-                <a:headEnd/>
-                <a:tailEnd/>
-              </a14:hiddenLine>
-            </a:ext>
-            <a:ext uri="{AF507438-7753-43E0-B8FC-AC1667EBCBE1}">
-              <a14:hiddenEffects xmlns:a14="http://schemas.microsoft.com/office/drawing/2010/main">
-                <a:effectLst>
-                  <a:outerShdw dist="35921" dir="2700000" algn="ctr" rotWithShape="0">
-                    <a:schemeClr val="bg2"/>
-                  </a:outerShdw>
-                </a:effectLst>
-              </a14:hiddenEffects>
-            </a:ext>
-          </a:extLst>
-        </p:spPr>
-        <p:txBody>
-          <a:bodyPr vert="horz" wrap="square" lIns="91440" tIns="45720" rIns="91440" bIns="45720" numCol="1" anchor="t" anchorCtr="0" compatLnSpc="1">
-            <a:prstTxWarp prst="textNoShape">
-              <a:avLst/>
-            </a:prstTxWarp>
-          </a:bodyPr>
-          <a:lstStyle/>
-          <a:p>
-            <a:pPr>
-              <a:lnSpc>
-                <a:spcPct val="90000"/>
-              </a:lnSpc>
-            </a:pPr>
-            <a:r>
-              <a:rPr lang="en-US" altLang="en-US" sz="2800" dirty="0" smtClean="0"/>
-              <a:t>After </a:t>
-            </a:r>
-            <a:r>
-              <a:rPr lang="en-US" altLang="en-US" sz="2800" smtClean="0"/>
-              <a:t>following these </a:t>
-            </a:r>
-            <a:r>
-              <a:rPr lang="en-US" altLang="en-US" sz="2800" dirty="0" smtClean="0"/>
-              <a:t>steps, you should be ready to begin on the project</a:t>
-            </a:r>
-          </a:p>
-          <a:p>
-            <a:pPr>
-              <a:lnSpc>
-                <a:spcPct val="90000"/>
-              </a:lnSpc>
-            </a:pPr>
-            <a:r>
-              <a:rPr lang="en-US" altLang="en-US" sz="2800" dirty="0"/>
-              <a:t>Hibernate - Part </a:t>
-            </a:r>
-            <a:r>
-              <a:rPr lang="en-US" altLang="en-US" sz="2800" dirty="0" smtClean="0"/>
-              <a:t>2 will provide step by step instructions</a:t>
-            </a:r>
-            <a:endParaRPr lang="en-US" altLang="en-US" sz="2400" dirty="0"/>
-          </a:p>
-        </p:txBody>
-      </p:sp>
-    </p:spTree>
-    <p:extLst>
-      <p:ext uri="{BB962C8B-B14F-4D97-AF65-F5344CB8AC3E}">
-        <p14:creationId xmlns:p14="http://schemas.microsoft.com/office/powerpoint/2010/main" val="1158055818"/>
-      </p:ext>
-    </p:extLst>
-  </p:cSld>
-  <p:clrMapOvr>
-    <a:masterClrMapping/>
-  </p:clrMapOvr>
-  <p:timing>
-    <p:tnLst>
-      <p:par>
-        <p:cTn id="1" dur="indefinite" restart="never" nodeType="tmRoot"/>
-      </p:par>
-    </p:tnLst>
-  </p:timing>
-</p:sld>
-</file>
-
-<file path=ppt/slides/slide21.xml><?xml version="1.0" encoding="utf-8"?>
-<p:sld xmlns:a="http://schemas.openxmlformats.org/drawingml/2006/main" xmlns:r="http://schemas.openxmlformats.org/officeDocument/2006/relationships" xmlns:p="http://schemas.openxmlformats.org/presentationml/2006/main">
-  <p:cSld>
-    <p:spTree>
-      <p:nvGrpSpPr>
-        <p:cNvPr id="1" name=""/>
-        <p:cNvGrpSpPr/>
-        <p:nvPr/>
-      </p:nvGrpSpPr>
-      <p:grpSpPr>
-        <a:xfrm>
-          <a:off x="0" y="0"/>
-          <a:ext cx="0" cy="0"/>
-          <a:chOff x="0" y="0"/>
-          <a:chExt cx="0" cy="0"/>
-        </a:xfrm>
-      </p:grpSpPr>
-      <p:sp>
-        <p:nvSpPr>
-          <p:cNvPr id="4" name="Slide Number Placeholder 3"/>
-          <p:cNvSpPr>
-            <a:spLocks noGrp="1"/>
-          </p:cNvSpPr>
-          <p:nvPr>
-            <p:ph type="sldNum" sz="quarter" idx="10"/>
-          </p:nvPr>
-        </p:nvSpPr>
-        <p:spPr/>
-        <p:txBody>
-          <a:bodyPr/>
-          <a:lstStyle/>
-          <a:p>
-            <a:fld id="{9CAA6850-6AF0-4A45-8B3A-FEE9E8969215}" type="slidenum">
-              <a:rPr lang="en-US" altLang="en-US"/>
-              <a:pPr/>
-              <a:t>21</a:t>
+              <a:t>23</a:t>
             </a:fld>
             <a:endParaRPr lang="en-US" altLang="en-US"/>
           </a:p>
@@ -7130,6 +7530,218 @@
           <a:lstStyle/>
           <a:p>
             <a:r>
+              <a:rPr lang="en-US" altLang="en-US" dirty="0"/>
+              <a:t>Hibernate Setup </a:t>
+            </a:r>
+          </a:p>
+        </p:txBody>
+      </p:sp>
+      <p:sp>
+        <p:nvSpPr>
+          <p:cNvPr id="9221" name="Rectangle 5"/>
+          <p:cNvSpPr>
+            <a:spLocks noGrp="1" noChangeArrowheads="1"/>
+          </p:cNvSpPr>
+          <p:nvPr>
+            <p:ph type="body" idx="1"/>
+          </p:nvPr>
+        </p:nvSpPr>
+        <p:spPr bwMode="auto">
+          <a:xfrm>
+            <a:off x="457200" y="1295400"/>
+            <a:ext cx="8229600" cy="4830763"/>
+          </a:xfrm>
+          <a:noFill/>
+          <a:ln/>
+          <a:extLst>
+            <a:ext uri="{909E8E84-426E-40DD-AFC4-6F175D3DCCD1}">
+              <a14:hiddenFill xmlns:a14="http://schemas.microsoft.com/office/drawing/2010/main">
+                <a:solidFill>
+                  <a:schemeClr val="accent1"/>
+                </a:solidFill>
+              </a14:hiddenFill>
+            </a:ext>
+            <a:ext uri="{91240B29-F687-4F45-9708-019B960494DF}">
+              <a14:hiddenLine xmlns:a14="http://schemas.microsoft.com/office/drawing/2010/main" w="9525">
+                <a:solidFill>
+                  <a:schemeClr val="tx1"/>
+                </a:solidFill>
+                <a:miter lim="800000"/>
+                <a:headEnd/>
+                <a:tailEnd/>
+              </a14:hiddenLine>
+            </a:ext>
+            <a:ext uri="{AF507438-7753-43E0-B8FC-AC1667EBCBE1}">
+              <a14:hiddenEffects xmlns:a14="http://schemas.microsoft.com/office/drawing/2010/main">
+                <a:effectLst>
+                  <a:outerShdw dist="35921" dir="2700000" algn="ctr" rotWithShape="0">
+                    <a:schemeClr val="bg2"/>
+                  </a:outerShdw>
+                </a:effectLst>
+              </a14:hiddenEffects>
+            </a:ext>
+          </a:extLst>
+        </p:spPr>
+        <p:txBody>
+          <a:bodyPr vert="horz" wrap="square" lIns="91440" tIns="45720" rIns="91440" bIns="45720" numCol="1" anchor="t" anchorCtr="0" compatLnSpc="1">
+            <a:prstTxWarp prst="textNoShape">
+              <a:avLst/>
+            </a:prstTxWarp>
+          </a:bodyPr>
+          <a:lstStyle/>
+          <a:p>
+            <a:pPr>
+              <a:lnSpc>
+                <a:spcPct val="90000"/>
+              </a:lnSpc>
+            </a:pPr>
+            <a:r>
+              <a:rPr lang="en-US" altLang="en-US" sz="2800" dirty="0" smtClean="0"/>
+              <a:t>After </a:t>
+            </a:r>
+            <a:r>
+              <a:rPr lang="en-US" altLang="en-US" sz="2800" smtClean="0"/>
+              <a:t>following these </a:t>
+            </a:r>
+            <a:r>
+              <a:rPr lang="en-US" altLang="en-US" sz="2800" dirty="0" smtClean="0"/>
+              <a:t>steps, you should be ready to begin on the project</a:t>
+            </a:r>
+          </a:p>
+          <a:p>
+            <a:pPr>
+              <a:lnSpc>
+                <a:spcPct val="90000"/>
+              </a:lnSpc>
+            </a:pPr>
+            <a:r>
+              <a:rPr lang="en-US" altLang="en-US" sz="2800" dirty="0"/>
+              <a:t>Hibernate - Part </a:t>
+            </a:r>
+            <a:r>
+              <a:rPr lang="en-US" altLang="en-US" sz="2800" dirty="0" smtClean="0"/>
+              <a:t>2 will provide step by step instructions</a:t>
+            </a:r>
+            <a:endParaRPr lang="en-US" altLang="en-US" sz="2400" dirty="0"/>
+          </a:p>
+        </p:txBody>
+      </p:sp>
+    </p:spTree>
+    <p:extLst>
+      <p:ext uri="{BB962C8B-B14F-4D97-AF65-F5344CB8AC3E}">
+        <p14:creationId xmlns:p14="http://schemas.microsoft.com/office/powerpoint/2010/main" val="1158055818"/>
+      </p:ext>
+    </p:extLst>
+  </p:cSld>
+  <p:clrMapOvr>
+    <a:masterClrMapping/>
+  </p:clrMapOvr>
+  <p:timing>
+    <p:tnLst>
+      <p:par>
+        <p:cTn id="1" dur="indefinite" restart="never" nodeType="tmRoot"/>
+      </p:par>
+    </p:tnLst>
+  </p:timing>
+</p:sld>
+</file>
+
+<file path=ppt/slides/slide4.xml><?xml version="1.0" encoding="utf-8"?>
+<p:sld xmlns:a="http://schemas.openxmlformats.org/drawingml/2006/main" xmlns:r="http://schemas.openxmlformats.org/officeDocument/2006/relationships" xmlns:p="http://schemas.openxmlformats.org/presentationml/2006/main">
+  <p:cSld>
+    <p:spTree>
+      <p:nvGrpSpPr>
+        <p:cNvPr id="1" name=""/>
+        <p:cNvGrpSpPr/>
+        <p:nvPr/>
+      </p:nvGrpSpPr>
+      <p:grpSpPr>
+        <a:xfrm>
+          <a:off x="0" y="0"/>
+          <a:ext cx="0" cy="0"/>
+          <a:chOff x="0" y="0"/>
+          <a:chExt cx="0" cy="0"/>
+        </a:xfrm>
+      </p:grpSpPr>
+      <p:sp>
+        <p:nvSpPr>
+          <p:cNvPr id="4" name="Slide Number Placeholder 3"/>
+          <p:cNvSpPr>
+            <a:spLocks noGrp="1"/>
+          </p:cNvSpPr>
+          <p:nvPr>
+            <p:ph type="sldNum" sz="quarter" idx="10"/>
+          </p:nvPr>
+        </p:nvSpPr>
+        <p:spPr/>
+        <p:txBody>
+          <a:bodyPr/>
+          <a:lstStyle/>
+          <a:p>
+            <a:fld id="{9CAA6850-6AF0-4A45-8B3A-FEE9E8969215}" type="slidenum">
+              <a:rPr lang="en-US" altLang="en-US"/>
+              <a:pPr/>
+              <a:t>4</a:t>
+            </a:fld>
+            <a:endParaRPr lang="en-US" altLang="en-US"/>
+          </a:p>
+        </p:txBody>
+      </p:sp>
+      <p:sp>
+        <p:nvSpPr>
+          <p:cNvPr id="9220" name="Rectangle 4"/>
+          <p:cNvSpPr>
+            <a:spLocks noGrp="1" noChangeArrowheads="1"/>
+          </p:cNvSpPr>
+          <p:nvPr>
+            <p:ph type="title"/>
+          </p:nvPr>
+        </p:nvSpPr>
+        <p:spPr bwMode="auto">
+          <a:xfrm>
+            <a:off x="457200" y="274638"/>
+            <a:ext cx="8229600" cy="868362"/>
+          </a:xfrm>
+          <a:noFill/>
+          <a:ln/>
+          <a:extLst>
+            <a:ext uri="{909E8E84-426E-40DD-AFC4-6F175D3DCCD1}">
+              <a14:hiddenFill xmlns:a14="http://schemas.microsoft.com/office/drawing/2010/main">
+                <a:solidFill>
+                  <a:schemeClr val="accent1"/>
+                </a:solidFill>
+              </a14:hiddenFill>
+            </a:ext>
+            <a:ext uri="{91240B29-F687-4F45-9708-019B960494DF}">
+              <a14:hiddenLine xmlns:a14="http://schemas.microsoft.com/office/drawing/2010/main" w="9525">
+                <a:solidFill>
+                  <a:schemeClr val="tx1"/>
+                </a:solidFill>
+                <a:miter lim="800000"/>
+                <a:headEnd/>
+                <a:tailEnd/>
+              </a14:hiddenLine>
+            </a:ext>
+            <a:ext uri="{AF507438-7753-43E0-B8FC-AC1667EBCBE1}">
+              <a14:hiddenEffects xmlns:a14="http://schemas.microsoft.com/office/drawing/2010/main">
+                <a:effectLst>
+                  <a:outerShdw dist="35921" dir="2700000" algn="ctr" rotWithShape="0">
+                    <a:schemeClr val="bg2"/>
+                  </a:outerShdw>
+                </a:effectLst>
+              </a14:hiddenEffects>
+            </a:ext>
+          </a:extLst>
+        </p:spPr>
+        <p:txBody>
+          <a:bodyPr vert="horz" wrap="square" lIns="91440" tIns="45720" rIns="91440" bIns="45720" numCol="1" anchor="t" anchorCtr="0" compatLnSpc="1">
+            <a:prstTxWarp prst="textNoShape">
+              <a:avLst/>
+            </a:prstTxWarp>
+          </a:bodyPr>
+          <a:lstStyle/>
+          <a:p>
+            <a:r>
               <a:rPr lang="en-US" altLang="en-US" dirty="0" smtClean="0"/>
               <a:t>Hibernate Setup </a:t>
             </a:r>
@@ -7370,7 +7982,7 @@
 </p:sld>
 </file>
 
-<file path=ppt/slides/slide4.xml><?xml version="1.0" encoding="utf-8"?>
+<file path=ppt/slides/slide5.xml><?xml version="1.0" encoding="utf-8"?>
 <p:sld xmlns:a="http://schemas.openxmlformats.org/drawingml/2006/main" xmlns:r="http://schemas.openxmlformats.org/officeDocument/2006/relationships" xmlns:p="http://schemas.openxmlformats.org/presentationml/2006/main">
   <p:cSld>
     <p:spTree>
@@ -7405,7 +8017,343 @@
             <a:fld id="{9CAA6850-6AF0-4A45-8B3A-FEE9E8969215}" type="slidenum">
               <a:rPr lang="en-US" altLang="en-US"/>
               <a:pPr/>
-              <a:t>4</a:t>
+              <a:t>5</a:t>
+            </a:fld>
+            <a:endParaRPr lang="en-US" altLang="en-US"/>
+          </a:p>
+        </p:txBody>
+      </p:sp>
+      <p:sp>
+        <p:nvSpPr>
+          <p:cNvPr id="9220" name="Rectangle 4"/>
+          <p:cNvSpPr>
+            <a:spLocks noGrp="1" noChangeArrowheads="1"/>
+          </p:cNvSpPr>
+          <p:nvPr>
+            <p:ph type="title"/>
+          </p:nvPr>
+        </p:nvSpPr>
+        <p:spPr bwMode="auto">
+          <a:xfrm>
+            <a:off x="457200" y="274638"/>
+            <a:ext cx="8229600" cy="868362"/>
+          </a:xfrm>
+          <a:noFill/>
+          <a:ln/>
+          <a:extLst>
+            <a:ext uri="{909E8E84-426E-40DD-AFC4-6F175D3DCCD1}">
+              <a14:hiddenFill xmlns:a14="http://schemas.microsoft.com/office/drawing/2010/main">
+                <a:solidFill>
+                  <a:schemeClr val="accent1"/>
+                </a:solidFill>
+              </a14:hiddenFill>
+            </a:ext>
+            <a:ext uri="{91240B29-F687-4F45-9708-019B960494DF}">
+              <a14:hiddenLine xmlns:a14="http://schemas.microsoft.com/office/drawing/2010/main" w="9525">
+                <a:solidFill>
+                  <a:schemeClr val="tx1"/>
+                </a:solidFill>
+                <a:miter lim="800000"/>
+                <a:headEnd/>
+                <a:tailEnd/>
+              </a14:hiddenLine>
+            </a:ext>
+            <a:ext uri="{AF507438-7753-43E0-B8FC-AC1667EBCBE1}">
+              <a14:hiddenEffects xmlns:a14="http://schemas.microsoft.com/office/drawing/2010/main">
+                <a:effectLst>
+                  <a:outerShdw dist="35921" dir="2700000" algn="ctr" rotWithShape="0">
+                    <a:schemeClr val="bg2"/>
+                  </a:outerShdw>
+                </a:effectLst>
+              </a14:hiddenEffects>
+            </a:ext>
+          </a:extLst>
+        </p:spPr>
+        <p:txBody>
+          <a:bodyPr vert="horz" wrap="square" lIns="91440" tIns="45720" rIns="91440" bIns="45720" numCol="1" anchor="t" anchorCtr="0" compatLnSpc="1">
+            <a:prstTxWarp prst="textNoShape">
+              <a:avLst/>
+            </a:prstTxWarp>
+          </a:bodyPr>
+          <a:lstStyle/>
+          <a:p>
+            <a:r>
+              <a:rPr lang="en-US" altLang="en-US" dirty="0" smtClean="0"/>
+              <a:t>Hibernate Setup </a:t>
+            </a:r>
+            <a:endParaRPr lang="en-US" altLang="en-US" dirty="0"/>
+          </a:p>
+        </p:txBody>
+      </p:sp>
+      <p:sp>
+        <p:nvSpPr>
+          <p:cNvPr id="9221" name="Rectangle 5"/>
+          <p:cNvSpPr>
+            <a:spLocks noGrp="1" noChangeArrowheads="1"/>
+          </p:cNvSpPr>
+          <p:nvPr>
+            <p:ph type="body" idx="1"/>
+          </p:nvPr>
+        </p:nvSpPr>
+        <p:spPr bwMode="auto">
+          <a:xfrm>
+            <a:off x="457200" y="1295400"/>
+            <a:ext cx="8229600" cy="4830763"/>
+          </a:xfrm>
+          <a:noFill/>
+          <a:ln/>
+          <a:extLst>
+            <a:ext uri="{909E8E84-426E-40DD-AFC4-6F175D3DCCD1}">
+              <a14:hiddenFill xmlns:a14="http://schemas.microsoft.com/office/drawing/2010/main">
+                <a:solidFill>
+                  <a:schemeClr val="accent1"/>
+                </a:solidFill>
+              </a14:hiddenFill>
+            </a:ext>
+            <a:ext uri="{91240B29-F687-4F45-9708-019B960494DF}">
+              <a14:hiddenLine xmlns:a14="http://schemas.microsoft.com/office/drawing/2010/main" w="9525">
+                <a:solidFill>
+                  <a:schemeClr val="tx1"/>
+                </a:solidFill>
+                <a:miter lim="800000"/>
+                <a:headEnd/>
+                <a:tailEnd/>
+              </a14:hiddenLine>
+            </a:ext>
+            <a:ext uri="{AF507438-7753-43E0-B8FC-AC1667EBCBE1}">
+              <a14:hiddenEffects xmlns:a14="http://schemas.microsoft.com/office/drawing/2010/main">
+                <a:effectLst>
+                  <a:outerShdw dist="35921" dir="2700000" algn="ctr" rotWithShape="0">
+                    <a:schemeClr val="bg2"/>
+                  </a:outerShdw>
+                </a:effectLst>
+              </a14:hiddenEffects>
+            </a:ext>
+          </a:extLst>
+        </p:spPr>
+        <p:txBody>
+          <a:bodyPr vert="horz" wrap="square" lIns="91440" tIns="45720" rIns="91440" bIns="45720" numCol="1" anchor="t" anchorCtr="0" compatLnSpc="1">
+            <a:prstTxWarp prst="textNoShape">
+              <a:avLst/>
+            </a:prstTxWarp>
+          </a:bodyPr>
+          <a:lstStyle/>
+          <a:p>
+            <a:pPr>
+              <a:lnSpc>
+                <a:spcPct val="90000"/>
+              </a:lnSpc>
+            </a:pPr>
+            <a:r>
+              <a:rPr lang="en-US" altLang="en-US" sz="2400" dirty="0" smtClean="0"/>
+              <a:t>Expanded directory looks </a:t>
+            </a:r>
+            <a:r>
+              <a:rPr lang="en-US" altLang="en-US" sz="2400" dirty="0"/>
+              <a:t>l</a:t>
+            </a:r>
+            <a:r>
+              <a:rPr lang="en-US" altLang="en-US" sz="2400" dirty="0" smtClean="0"/>
+              <a:t>ike this</a:t>
+            </a:r>
+          </a:p>
+          <a:p>
+            <a:pPr>
+              <a:lnSpc>
+                <a:spcPct val="90000"/>
+              </a:lnSpc>
+            </a:pPr>
+            <a:r>
+              <a:rPr lang="en-US" altLang="en-US" sz="2400" dirty="0" smtClean="0"/>
+              <a:t>You will need all files in the </a:t>
+            </a:r>
+            <a:r>
+              <a:rPr lang="en-US" altLang="en-US" sz="2400" dirty="0" smtClean="0">
+                <a:solidFill>
+                  <a:srgbClr val="FF0000"/>
+                </a:solidFill>
+              </a:rPr>
+              <a:t>required</a:t>
+            </a:r>
+            <a:r>
+              <a:rPr lang="en-US" altLang="en-US" sz="2400" dirty="0" smtClean="0"/>
+              <a:t> subdirectory</a:t>
+            </a:r>
+          </a:p>
+          <a:p>
+            <a:pPr>
+              <a:lnSpc>
+                <a:spcPct val="90000"/>
+              </a:lnSpc>
+            </a:pPr>
+            <a:endParaRPr lang="en-US" altLang="en-US" sz="2400" dirty="0"/>
+          </a:p>
+        </p:txBody>
+      </p:sp>
+      <p:pic>
+        <p:nvPicPr>
+          <p:cNvPr id="4098" name="Picture 2"/>
+          <p:cNvPicPr>
+            <a:picLocks noChangeAspect="1" noChangeArrowheads="1"/>
+          </p:cNvPicPr>
+          <p:nvPr/>
+        </p:nvPicPr>
+        <p:blipFill>
+          <a:blip r:embed="rId2">
+            <a:extLst>
+              <a:ext uri="{28A0092B-C50C-407E-A947-70E740481C1C}">
+                <a14:useLocalDpi xmlns:a14="http://schemas.microsoft.com/office/drawing/2010/main" val="0"/>
+              </a:ext>
+            </a:extLst>
+          </a:blip>
+          <a:srcRect/>
+          <a:stretch>
+            <a:fillRect/>
+          </a:stretch>
+        </p:blipFill>
+        <p:spPr bwMode="auto">
+          <a:xfrm>
+            <a:off x="457200" y="2562225"/>
+            <a:ext cx="3429000" cy="3459480"/>
+          </a:xfrm>
+          <a:prstGeom prst="rect">
+            <a:avLst/>
+          </a:prstGeom>
+          <a:noFill/>
+          <a:ln>
+            <a:noFill/>
+          </a:ln>
+          <a:extLst>
+            <a:ext uri="{909E8E84-426E-40DD-AFC4-6F175D3DCCD1}">
+              <a14:hiddenFill xmlns:a14="http://schemas.microsoft.com/office/drawing/2010/main">
+                <a:solidFill>
+                  <a:schemeClr val="accent1"/>
+                </a:solidFill>
+              </a14:hiddenFill>
+            </a:ext>
+            <a:ext uri="{91240B29-F687-4F45-9708-019B960494DF}">
+              <a14:hiddenLine xmlns:a14="http://schemas.microsoft.com/office/drawing/2010/main" w="9525">
+                <a:solidFill>
+                  <a:schemeClr val="tx1"/>
+                </a:solidFill>
+                <a:miter lim="800000"/>
+                <a:headEnd/>
+                <a:tailEnd/>
+              </a14:hiddenLine>
+            </a:ext>
+          </a:extLst>
+        </p:spPr>
+      </p:pic>
+      <p:pic>
+        <p:nvPicPr>
+          <p:cNvPr id="4099" name="Picture 3"/>
+          <p:cNvPicPr>
+            <a:picLocks noChangeAspect="1" noChangeArrowheads="1"/>
+          </p:cNvPicPr>
+          <p:nvPr/>
+        </p:nvPicPr>
+        <p:blipFill>
+          <a:blip r:embed="rId3">
+            <a:extLst>
+              <a:ext uri="{28A0092B-C50C-407E-A947-70E740481C1C}">
+                <a14:useLocalDpi xmlns:a14="http://schemas.microsoft.com/office/drawing/2010/main" val="0"/>
+              </a:ext>
+            </a:extLst>
+          </a:blip>
+          <a:srcRect/>
+          <a:stretch>
+            <a:fillRect/>
+          </a:stretch>
+        </p:blipFill>
+        <p:spPr bwMode="auto">
+          <a:xfrm>
+            <a:off x="4029075" y="2743200"/>
+            <a:ext cx="4810125" cy="2371725"/>
+          </a:xfrm>
+          <a:prstGeom prst="rect">
+            <a:avLst/>
+          </a:prstGeom>
+          <a:noFill/>
+          <a:ln>
+            <a:noFill/>
+          </a:ln>
+          <a:extLst>
+            <a:ext uri="{909E8E84-426E-40DD-AFC4-6F175D3DCCD1}">
+              <a14:hiddenFill xmlns:a14="http://schemas.microsoft.com/office/drawing/2010/main">
+                <a:solidFill>
+                  <a:schemeClr val="accent1"/>
+                </a:solidFill>
+              </a14:hiddenFill>
+            </a:ext>
+            <a:ext uri="{91240B29-F687-4F45-9708-019B960494DF}">
+              <a14:hiddenLine xmlns:a14="http://schemas.microsoft.com/office/drawing/2010/main" w="9525">
+                <a:solidFill>
+                  <a:schemeClr val="tx1"/>
+                </a:solidFill>
+                <a:miter lim="800000"/>
+                <a:headEnd/>
+                <a:tailEnd/>
+              </a14:hiddenLine>
+            </a:ext>
+          </a:extLst>
+        </p:spPr>
+      </p:pic>
+    </p:spTree>
+    <p:extLst>
+      <p:ext uri="{BB962C8B-B14F-4D97-AF65-F5344CB8AC3E}">
+        <p14:creationId xmlns:p14="http://schemas.microsoft.com/office/powerpoint/2010/main" val="3785919565"/>
+      </p:ext>
+    </p:extLst>
+  </p:cSld>
+  <p:clrMapOvr>
+    <a:masterClrMapping/>
+  </p:clrMapOvr>
+  <p:timing>
+    <p:tnLst>
+      <p:par>
+        <p:cTn id="1" dur="indefinite" restart="never" nodeType="tmRoot"/>
+      </p:par>
+    </p:tnLst>
+  </p:timing>
+</p:sld>
+</file>
+
+<file path=ppt/slides/slide6.xml><?xml version="1.0" encoding="utf-8"?>
+<p:sld xmlns:a="http://schemas.openxmlformats.org/drawingml/2006/main" xmlns:r="http://schemas.openxmlformats.org/officeDocument/2006/relationships" xmlns:p="http://schemas.openxmlformats.org/presentationml/2006/main">
+  <p:cSld>
+    <p:spTree>
+      <p:nvGrpSpPr>
+        <p:cNvPr id="1" name=""/>
+        <p:cNvGrpSpPr/>
+        <p:nvPr/>
+      </p:nvGrpSpPr>
+      <p:grpSpPr>
+        <a:xfrm>
+          <a:off x="0" y="0"/>
+          <a:ext cx="0" cy="0"/>
+          <a:chOff x="0" y="0"/>
+          <a:chExt cx="0" cy="0"/>
+        </a:xfrm>
+      </p:grpSpPr>
+      <p:sp>
+        <p:nvSpPr>
+          <p:cNvPr id="4" name="Slide Number Placeholder 3"/>
+          <p:cNvSpPr>
+            <a:spLocks noGrp="1"/>
+          </p:cNvSpPr>
+          <p:nvPr>
+            <p:ph type="sldNum" sz="quarter" idx="10"/>
+          </p:nvPr>
+        </p:nvSpPr>
+        <p:spPr/>
+        <p:txBody>
+          <a:bodyPr/>
+          <a:lstStyle/>
+          <a:p>
+            <a:fld id="{9CAA6850-6AF0-4A45-8B3A-FEE9E8969215}" type="slidenum">
+              <a:rPr lang="en-US" altLang="en-US"/>
+              <a:pPr/>
+              <a:t>6</a:t>
             </a:fld>
             <a:endParaRPr lang="en-US" altLang="en-US"/>
           </a:p>
@@ -7614,7 +8562,7 @@
 </p:sld>
 </file>
 
-<file path=ppt/slides/slide5.xml><?xml version="1.0" encoding="utf-8"?>
+<file path=ppt/slides/slide7.xml><?xml version="1.0" encoding="utf-8"?>
 <p:sld xmlns:a="http://schemas.openxmlformats.org/drawingml/2006/main" xmlns:r="http://schemas.openxmlformats.org/officeDocument/2006/relationships" xmlns:p="http://schemas.openxmlformats.org/presentationml/2006/main">
   <p:cSld>
     <p:spTree>
@@ -7649,7 +8597,7 @@
             <a:fld id="{9CAA6850-6AF0-4A45-8B3A-FEE9E8969215}" type="slidenum">
               <a:rPr lang="en-US" altLang="en-US"/>
               <a:pPr/>
-              <a:t>5</a:t>
+              <a:t>7</a:t>
             </a:fld>
             <a:endParaRPr lang="en-US" altLang="en-US"/>
           </a:p>
@@ -7853,7 +8801,7 @@
 </p:sld>
 </file>
 
-<file path=ppt/slides/slide6.xml><?xml version="1.0" encoding="utf-8"?>
+<file path=ppt/slides/slide8.xml><?xml version="1.0" encoding="utf-8"?>
 <p:sld xmlns:a="http://schemas.openxmlformats.org/drawingml/2006/main" xmlns:r="http://schemas.openxmlformats.org/officeDocument/2006/relationships" xmlns:p="http://schemas.openxmlformats.org/presentationml/2006/main">
   <p:cSld>
     <p:spTree>
@@ -7888,7 +8836,7 @@
             <a:fld id="{9CAA6850-6AF0-4A45-8B3A-FEE9E8969215}" type="slidenum">
               <a:rPr lang="en-US" altLang="en-US"/>
               <a:pPr/>
-              <a:t>6</a:t>
+              <a:t>8</a:t>
             </a:fld>
             <a:endParaRPr lang="en-US" altLang="en-US"/>
           </a:p>
@@ -8092,7 +9040,7 @@
 </p:sld>
 </file>
 
-<file path=ppt/slides/slide7.xml><?xml version="1.0" encoding="utf-8"?>
+<file path=ppt/slides/slide9.xml><?xml version="1.0" encoding="utf-8"?>
 <p:sld xmlns:a="http://schemas.openxmlformats.org/drawingml/2006/main" xmlns:r="http://schemas.openxmlformats.org/officeDocument/2006/relationships" xmlns:p="http://schemas.openxmlformats.org/presentationml/2006/main">
   <p:cSld>
     <p:spTree>
@@ -8127,7 +9075,7 @@
             <a:fld id="{9CAA6850-6AF0-4A45-8B3A-FEE9E8969215}" type="slidenum">
               <a:rPr lang="en-US" altLang="en-US"/>
               <a:pPr/>
-              <a:t>7</a:t>
+              <a:t>9</a:t>
             </a:fld>
             <a:endParaRPr lang="en-US" altLang="en-US"/>
           </a:p>
@@ -8331,504 +9279,6 @@
     <p:extLst>
       <p:ext uri="{BB962C8B-B14F-4D97-AF65-F5344CB8AC3E}">
         <p14:creationId xmlns:p14="http://schemas.microsoft.com/office/powerpoint/2010/main" val="1654962760"/>
-      </p:ext>
-    </p:extLst>
-  </p:cSld>
-  <p:clrMapOvr>
-    <a:masterClrMapping/>
-  </p:clrMapOvr>
-  <p:timing>
-    <p:tnLst>
-      <p:par>
-        <p:cTn id="1" dur="indefinite" restart="never" nodeType="tmRoot"/>
-      </p:par>
-    </p:tnLst>
-  </p:timing>
-</p:sld>
-</file>
-
-<file path=ppt/slides/slide8.xml><?xml version="1.0" encoding="utf-8"?>
-<p:sld xmlns:a="http://schemas.openxmlformats.org/drawingml/2006/main" xmlns:r="http://schemas.openxmlformats.org/officeDocument/2006/relationships" xmlns:p="http://schemas.openxmlformats.org/presentationml/2006/main">
-  <p:cSld>
-    <p:spTree>
-      <p:nvGrpSpPr>
-        <p:cNvPr id="1" name=""/>
-        <p:cNvGrpSpPr/>
-        <p:nvPr/>
-      </p:nvGrpSpPr>
-      <p:grpSpPr>
-        <a:xfrm>
-          <a:off x="0" y="0"/>
-          <a:ext cx="0" cy="0"/>
-          <a:chOff x="0" y="0"/>
-          <a:chExt cx="0" cy="0"/>
-        </a:xfrm>
-      </p:grpSpPr>
-      <p:sp>
-        <p:nvSpPr>
-          <p:cNvPr id="4" name="Slide Number Placeholder 3"/>
-          <p:cNvSpPr>
-            <a:spLocks noGrp="1"/>
-          </p:cNvSpPr>
-          <p:nvPr>
-            <p:ph type="sldNum" sz="quarter" idx="10"/>
-          </p:nvPr>
-        </p:nvSpPr>
-        <p:spPr/>
-        <p:txBody>
-          <a:bodyPr/>
-          <a:lstStyle/>
-          <a:p>
-            <a:fld id="{9CAA6850-6AF0-4A45-8B3A-FEE9E8969215}" type="slidenum">
-              <a:rPr lang="en-US" altLang="en-US"/>
-              <a:pPr/>
-              <a:t>8</a:t>
-            </a:fld>
-            <a:endParaRPr lang="en-US" altLang="en-US"/>
-          </a:p>
-        </p:txBody>
-      </p:sp>
-      <p:sp>
-        <p:nvSpPr>
-          <p:cNvPr id="9220" name="Rectangle 4"/>
-          <p:cNvSpPr>
-            <a:spLocks noGrp="1" noChangeArrowheads="1"/>
-          </p:cNvSpPr>
-          <p:nvPr>
-            <p:ph type="title"/>
-          </p:nvPr>
-        </p:nvSpPr>
-        <p:spPr bwMode="auto">
-          <a:xfrm>
-            <a:off x="457200" y="274638"/>
-            <a:ext cx="8229600" cy="868362"/>
-          </a:xfrm>
-          <a:noFill/>
-          <a:ln/>
-          <a:extLst>
-            <a:ext uri="{909E8E84-426E-40DD-AFC4-6F175D3DCCD1}">
-              <a14:hiddenFill xmlns:a14="http://schemas.microsoft.com/office/drawing/2010/main">
-                <a:solidFill>
-                  <a:schemeClr val="accent1"/>
-                </a:solidFill>
-              </a14:hiddenFill>
-            </a:ext>
-            <a:ext uri="{91240B29-F687-4F45-9708-019B960494DF}">
-              <a14:hiddenLine xmlns:a14="http://schemas.microsoft.com/office/drawing/2010/main" w="9525">
-                <a:solidFill>
-                  <a:schemeClr val="tx1"/>
-                </a:solidFill>
-                <a:miter lim="800000"/>
-                <a:headEnd/>
-                <a:tailEnd/>
-              </a14:hiddenLine>
-            </a:ext>
-            <a:ext uri="{AF507438-7753-43E0-B8FC-AC1667EBCBE1}">
-              <a14:hiddenEffects xmlns:a14="http://schemas.microsoft.com/office/drawing/2010/main">
-                <a:effectLst>
-                  <a:outerShdw dist="35921" dir="2700000" algn="ctr" rotWithShape="0">
-                    <a:schemeClr val="bg2"/>
-                  </a:outerShdw>
-                </a:effectLst>
-              </a14:hiddenEffects>
-            </a:ext>
-          </a:extLst>
-        </p:spPr>
-        <p:txBody>
-          <a:bodyPr vert="horz" wrap="square" lIns="91440" tIns="45720" rIns="91440" bIns="45720" numCol="1" anchor="t" anchorCtr="0" compatLnSpc="1">
-            <a:prstTxWarp prst="textNoShape">
-              <a:avLst/>
-            </a:prstTxWarp>
-          </a:bodyPr>
-          <a:lstStyle/>
-          <a:p>
-            <a:r>
-              <a:rPr lang="en-US" altLang="en-US" dirty="0"/>
-              <a:t>Hibernate Setup </a:t>
-            </a:r>
-          </a:p>
-        </p:txBody>
-      </p:sp>
-      <p:sp>
-        <p:nvSpPr>
-          <p:cNvPr id="9221" name="Rectangle 5"/>
-          <p:cNvSpPr>
-            <a:spLocks noGrp="1" noChangeArrowheads="1"/>
-          </p:cNvSpPr>
-          <p:nvPr>
-            <p:ph type="body" idx="1"/>
-          </p:nvPr>
-        </p:nvSpPr>
-        <p:spPr bwMode="auto">
-          <a:xfrm>
-            <a:off x="457200" y="1295400"/>
-            <a:ext cx="8229600" cy="4830763"/>
-          </a:xfrm>
-          <a:noFill/>
-          <a:ln/>
-          <a:extLst>
-            <a:ext uri="{909E8E84-426E-40DD-AFC4-6F175D3DCCD1}">
-              <a14:hiddenFill xmlns:a14="http://schemas.microsoft.com/office/drawing/2010/main">
-                <a:solidFill>
-                  <a:schemeClr val="accent1"/>
-                </a:solidFill>
-              </a14:hiddenFill>
-            </a:ext>
-            <a:ext uri="{91240B29-F687-4F45-9708-019B960494DF}">
-              <a14:hiddenLine xmlns:a14="http://schemas.microsoft.com/office/drawing/2010/main" w="9525">
-                <a:solidFill>
-                  <a:schemeClr val="tx1"/>
-                </a:solidFill>
-                <a:miter lim="800000"/>
-                <a:headEnd/>
-                <a:tailEnd/>
-              </a14:hiddenLine>
-            </a:ext>
-            <a:ext uri="{AF507438-7753-43E0-B8FC-AC1667EBCBE1}">
-              <a14:hiddenEffects xmlns:a14="http://schemas.microsoft.com/office/drawing/2010/main">
-                <a:effectLst>
-                  <a:outerShdw dist="35921" dir="2700000" algn="ctr" rotWithShape="0">
-                    <a:schemeClr val="bg2"/>
-                  </a:outerShdw>
-                </a:effectLst>
-              </a14:hiddenEffects>
-            </a:ext>
-          </a:extLst>
-        </p:spPr>
-        <p:txBody>
-          <a:bodyPr vert="horz" wrap="square" lIns="91440" tIns="45720" rIns="91440" bIns="45720" numCol="1" anchor="t" anchorCtr="0" compatLnSpc="1">
-            <a:prstTxWarp prst="textNoShape">
-              <a:avLst/>
-            </a:prstTxWarp>
-          </a:bodyPr>
-          <a:lstStyle/>
-          <a:p>
-            <a:pPr>
-              <a:lnSpc>
-                <a:spcPct val="90000"/>
-              </a:lnSpc>
-            </a:pPr>
-            <a:r>
-              <a:rPr lang="en-US" altLang="en-US" sz="2400" dirty="0" smtClean="0"/>
-              <a:t>Create a </a:t>
-            </a:r>
-            <a:r>
-              <a:rPr lang="en-US" altLang="en-US" sz="2400" dirty="0" smtClean="0">
-                <a:solidFill>
-                  <a:srgbClr val="FF0000"/>
-                </a:solidFill>
-              </a:rPr>
-              <a:t>lib</a:t>
-            </a:r>
-            <a:r>
-              <a:rPr lang="en-US" altLang="en-US" sz="2400" dirty="0" smtClean="0"/>
-              <a:t> subdirectory in your project</a:t>
-            </a:r>
-            <a:endParaRPr lang="en-US" altLang="en-US" sz="2400" dirty="0"/>
-          </a:p>
-        </p:txBody>
-      </p:sp>
-      <p:pic>
-        <p:nvPicPr>
-          <p:cNvPr id="6146" name="Picture 2"/>
-          <p:cNvPicPr>
-            <a:picLocks noChangeAspect="1" noChangeArrowheads="1"/>
-          </p:cNvPicPr>
-          <p:nvPr/>
-        </p:nvPicPr>
-        <p:blipFill>
-          <a:blip r:embed="rId2">
-            <a:extLst>
-              <a:ext uri="{28A0092B-C50C-407E-A947-70E740481C1C}">
-                <a14:useLocalDpi xmlns:a14="http://schemas.microsoft.com/office/drawing/2010/main" val="0"/>
-              </a:ext>
-            </a:extLst>
-          </a:blip>
-          <a:srcRect/>
-          <a:stretch>
-            <a:fillRect/>
-          </a:stretch>
-        </p:blipFill>
-        <p:spPr bwMode="auto">
-          <a:xfrm>
-            <a:off x="2445544" y="1828800"/>
-            <a:ext cx="4252912" cy="4350121"/>
-          </a:xfrm>
-          <a:prstGeom prst="rect">
-            <a:avLst/>
-          </a:prstGeom>
-          <a:noFill/>
-          <a:ln>
-            <a:noFill/>
-          </a:ln>
-          <a:extLst>
-            <a:ext uri="{909E8E84-426E-40DD-AFC4-6F175D3DCCD1}">
-              <a14:hiddenFill xmlns:a14="http://schemas.microsoft.com/office/drawing/2010/main">
-                <a:solidFill>
-                  <a:schemeClr val="accent1"/>
-                </a:solidFill>
-              </a14:hiddenFill>
-            </a:ext>
-            <a:ext uri="{91240B29-F687-4F45-9708-019B960494DF}">
-              <a14:hiddenLine xmlns:a14="http://schemas.microsoft.com/office/drawing/2010/main" w="9525">
-                <a:solidFill>
-                  <a:schemeClr val="tx1"/>
-                </a:solidFill>
-                <a:miter lim="800000"/>
-                <a:headEnd/>
-                <a:tailEnd/>
-              </a14:hiddenLine>
-            </a:ext>
-          </a:extLst>
-        </p:spPr>
-      </p:pic>
-    </p:spTree>
-    <p:extLst>
-      <p:ext uri="{BB962C8B-B14F-4D97-AF65-F5344CB8AC3E}">
-        <p14:creationId xmlns:p14="http://schemas.microsoft.com/office/powerpoint/2010/main" val="1951989040"/>
-      </p:ext>
-    </p:extLst>
-  </p:cSld>
-  <p:clrMapOvr>
-    <a:masterClrMapping/>
-  </p:clrMapOvr>
-  <p:timing>
-    <p:tnLst>
-      <p:par>
-        <p:cTn id="1" dur="indefinite" restart="never" nodeType="tmRoot"/>
-      </p:par>
-    </p:tnLst>
-  </p:timing>
-</p:sld>
-</file>
-
-<file path=ppt/slides/slide9.xml><?xml version="1.0" encoding="utf-8"?>
-<p:sld xmlns:a="http://schemas.openxmlformats.org/drawingml/2006/main" xmlns:r="http://schemas.openxmlformats.org/officeDocument/2006/relationships" xmlns:p="http://schemas.openxmlformats.org/presentationml/2006/main">
-  <p:cSld>
-    <p:spTree>
-      <p:nvGrpSpPr>
-        <p:cNvPr id="1" name=""/>
-        <p:cNvGrpSpPr/>
-        <p:nvPr/>
-      </p:nvGrpSpPr>
-      <p:grpSpPr>
-        <a:xfrm>
-          <a:off x="0" y="0"/>
-          <a:ext cx="0" cy="0"/>
-          <a:chOff x="0" y="0"/>
-          <a:chExt cx="0" cy="0"/>
-        </a:xfrm>
-      </p:grpSpPr>
-      <p:sp>
-        <p:nvSpPr>
-          <p:cNvPr id="4" name="Slide Number Placeholder 3"/>
-          <p:cNvSpPr>
-            <a:spLocks noGrp="1"/>
-          </p:cNvSpPr>
-          <p:nvPr>
-            <p:ph type="sldNum" sz="quarter" idx="10"/>
-          </p:nvPr>
-        </p:nvSpPr>
-        <p:spPr/>
-        <p:txBody>
-          <a:bodyPr/>
-          <a:lstStyle/>
-          <a:p>
-            <a:fld id="{9CAA6850-6AF0-4A45-8B3A-FEE9E8969215}" type="slidenum">
-              <a:rPr lang="en-US" altLang="en-US"/>
-              <a:pPr/>
-              <a:t>9</a:t>
-            </a:fld>
-            <a:endParaRPr lang="en-US" altLang="en-US"/>
-          </a:p>
-        </p:txBody>
-      </p:sp>
-      <p:sp>
-        <p:nvSpPr>
-          <p:cNvPr id="9220" name="Rectangle 4"/>
-          <p:cNvSpPr>
-            <a:spLocks noGrp="1" noChangeArrowheads="1"/>
-          </p:cNvSpPr>
-          <p:nvPr>
-            <p:ph type="title"/>
-          </p:nvPr>
-        </p:nvSpPr>
-        <p:spPr bwMode="auto">
-          <a:xfrm>
-            <a:off x="457200" y="274638"/>
-            <a:ext cx="8229600" cy="868362"/>
-          </a:xfrm>
-          <a:noFill/>
-          <a:ln/>
-          <a:extLst>
-            <a:ext uri="{909E8E84-426E-40DD-AFC4-6F175D3DCCD1}">
-              <a14:hiddenFill xmlns:a14="http://schemas.microsoft.com/office/drawing/2010/main">
-                <a:solidFill>
-                  <a:schemeClr val="accent1"/>
-                </a:solidFill>
-              </a14:hiddenFill>
-            </a:ext>
-            <a:ext uri="{91240B29-F687-4F45-9708-019B960494DF}">
-              <a14:hiddenLine xmlns:a14="http://schemas.microsoft.com/office/drawing/2010/main" w="9525">
-                <a:solidFill>
-                  <a:schemeClr val="tx1"/>
-                </a:solidFill>
-                <a:miter lim="800000"/>
-                <a:headEnd/>
-                <a:tailEnd/>
-              </a14:hiddenLine>
-            </a:ext>
-            <a:ext uri="{AF507438-7753-43E0-B8FC-AC1667EBCBE1}">
-              <a14:hiddenEffects xmlns:a14="http://schemas.microsoft.com/office/drawing/2010/main">
-                <a:effectLst>
-                  <a:outerShdw dist="35921" dir="2700000" algn="ctr" rotWithShape="0">
-                    <a:schemeClr val="bg2"/>
-                  </a:outerShdw>
-                </a:effectLst>
-              </a14:hiddenEffects>
-            </a:ext>
-          </a:extLst>
-        </p:spPr>
-        <p:txBody>
-          <a:bodyPr vert="horz" wrap="square" lIns="91440" tIns="45720" rIns="91440" bIns="45720" numCol="1" anchor="t" anchorCtr="0" compatLnSpc="1">
-            <a:prstTxWarp prst="textNoShape">
-              <a:avLst/>
-            </a:prstTxWarp>
-          </a:bodyPr>
-          <a:lstStyle/>
-          <a:p>
-            <a:r>
-              <a:rPr lang="en-US" altLang="en-US" dirty="0"/>
-              <a:t>Hibernate Setup </a:t>
-            </a:r>
-          </a:p>
-        </p:txBody>
-      </p:sp>
-      <p:sp>
-        <p:nvSpPr>
-          <p:cNvPr id="9221" name="Rectangle 5"/>
-          <p:cNvSpPr>
-            <a:spLocks noGrp="1" noChangeArrowheads="1"/>
-          </p:cNvSpPr>
-          <p:nvPr>
-            <p:ph type="body" idx="1"/>
-          </p:nvPr>
-        </p:nvSpPr>
-        <p:spPr bwMode="auto">
-          <a:xfrm>
-            <a:off x="457200" y="1295400"/>
-            <a:ext cx="8229600" cy="4830763"/>
-          </a:xfrm>
-          <a:noFill/>
-          <a:ln/>
-          <a:extLst>
-            <a:ext uri="{909E8E84-426E-40DD-AFC4-6F175D3DCCD1}">
-              <a14:hiddenFill xmlns:a14="http://schemas.microsoft.com/office/drawing/2010/main">
-                <a:solidFill>
-                  <a:schemeClr val="accent1"/>
-                </a:solidFill>
-              </a14:hiddenFill>
-            </a:ext>
-            <a:ext uri="{91240B29-F687-4F45-9708-019B960494DF}">
-              <a14:hiddenLine xmlns:a14="http://schemas.microsoft.com/office/drawing/2010/main" w="9525">
-                <a:solidFill>
-                  <a:schemeClr val="tx1"/>
-                </a:solidFill>
-                <a:miter lim="800000"/>
-                <a:headEnd/>
-                <a:tailEnd/>
-              </a14:hiddenLine>
-            </a:ext>
-            <a:ext uri="{AF507438-7753-43E0-B8FC-AC1667EBCBE1}">
-              <a14:hiddenEffects xmlns:a14="http://schemas.microsoft.com/office/drawing/2010/main">
-                <a:effectLst>
-                  <a:outerShdw dist="35921" dir="2700000" algn="ctr" rotWithShape="0">
-                    <a:schemeClr val="bg2"/>
-                  </a:outerShdw>
-                </a:effectLst>
-              </a14:hiddenEffects>
-            </a:ext>
-          </a:extLst>
-        </p:spPr>
-        <p:txBody>
-          <a:bodyPr vert="horz" wrap="square" lIns="91440" tIns="45720" rIns="91440" bIns="45720" numCol="1" anchor="t" anchorCtr="0" compatLnSpc="1">
-            <a:prstTxWarp prst="textNoShape">
-              <a:avLst/>
-            </a:prstTxWarp>
-          </a:bodyPr>
-          <a:lstStyle/>
-          <a:p>
-            <a:pPr>
-              <a:lnSpc>
-                <a:spcPct val="90000"/>
-              </a:lnSpc>
-            </a:pPr>
-            <a:r>
-              <a:rPr lang="en-US" altLang="en-US" sz="2400" dirty="0" smtClean="0"/>
-              <a:t>Like this</a:t>
-            </a:r>
-            <a:endParaRPr lang="en-US" altLang="en-US" sz="2400" dirty="0"/>
-          </a:p>
-        </p:txBody>
-      </p:sp>
-      <p:pic>
-        <p:nvPicPr>
-          <p:cNvPr id="7170" name="Picture 2"/>
-          <p:cNvPicPr>
-            <a:picLocks noChangeAspect="1" noChangeArrowheads="1"/>
-          </p:cNvPicPr>
-          <p:nvPr/>
-        </p:nvPicPr>
-        <p:blipFill>
-          <a:blip r:embed="rId2">
-            <a:extLst>
-              <a:ext uri="{28A0092B-C50C-407E-A947-70E740481C1C}">
-                <a14:useLocalDpi xmlns:a14="http://schemas.microsoft.com/office/drawing/2010/main" val="0"/>
-              </a:ext>
-            </a:extLst>
-          </a:blip>
-          <a:srcRect/>
-          <a:stretch>
-            <a:fillRect/>
-          </a:stretch>
-        </p:blipFill>
-        <p:spPr bwMode="auto">
-          <a:xfrm>
-            <a:off x="2743200" y="1819484"/>
-            <a:ext cx="3581400" cy="4809916"/>
-          </a:xfrm>
-          <a:prstGeom prst="rect">
-            <a:avLst/>
-          </a:prstGeom>
-          <a:noFill/>
-          <a:ln>
-            <a:noFill/>
-          </a:ln>
-          <a:extLst>
-            <a:ext uri="{909E8E84-426E-40DD-AFC4-6F175D3DCCD1}">
-              <a14:hiddenFill xmlns:a14="http://schemas.microsoft.com/office/drawing/2010/main">
-                <a:solidFill>
-                  <a:schemeClr val="accent1"/>
-                </a:solidFill>
-              </a14:hiddenFill>
-            </a:ext>
-            <a:ext uri="{91240B29-F687-4F45-9708-019B960494DF}">
-              <a14:hiddenLine xmlns:a14="http://schemas.microsoft.com/office/drawing/2010/main" w="9525">
-                <a:solidFill>
-                  <a:schemeClr val="tx1"/>
-                </a:solidFill>
-                <a:miter lim="800000"/>
-                <a:headEnd/>
-                <a:tailEnd/>
-              </a14:hiddenLine>
-            </a:ext>
-          </a:extLst>
-        </p:spPr>
-      </p:pic>
-    </p:spTree>
-    <p:extLst>
-      <p:ext uri="{BB962C8B-B14F-4D97-AF65-F5344CB8AC3E}">
-        <p14:creationId xmlns:p14="http://schemas.microsoft.com/office/powerpoint/2010/main" val="3368892821"/>
       </p:ext>
     </p:extLst>
   </p:cSld>
